--- a/Diploma/Диплом/Преза/ВКР_Шорин.pptx
+++ b/Diploma/Диплом/Преза/ВКР_Шорин.pptx
@@ -5,7 +5,7 @@
     <p:sldMasterId id="2147483648" r:id="rId1"/>
   </p:sldMasterIdLst>
   <p:notesMasterIdLst>
-    <p:notesMasterId r:id="rId11"/>
+    <p:notesMasterId r:id="rId14"/>
   </p:notesMasterIdLst>
   <p:sldIdLst>
     <p:sldId id="256" r:id="rId2"/>
@@ -15,8 +15,11 @@
     <p:sldId id="260" r:id="rId6"/>
     <p:sldId id="266" r:id="rId7"/>
     <p:sldId id="263" r:id="rId8"/>
-    <p:sldId id="267" r:id="rId9"/>
-    <p:sldId id="268" r:id="rId10"/>
+    <p:sldId id="271" r:id="rId9"/>
+    <p:sldId id="272" r:id="rId10"/>
+    <p:sldId id="268" r:id="rId11"/>
+    <p:sldId id="269" r:id="rId12"/>
+    <p:sldId id="270" r:id="rId13"/>
   </p:sldIdLst>
   <p:sldSz cx="12192000" cy="6858000"/>
   <p:notesSz cx="6858000" cy="9144000"/>
@@ -283,7 +286,7 @@
           <a:p>
             <a:fld id="{ED78A052-3A30-4889-829C-6270381F9F9B}" type="datetimeFigureOut">
               <a:rPr lang="ru-RU" smtClean="0"/>
-              <a:t>26.04.2021</a:t>
+              <a:t>01.06.2021</a:t>
             </a:fld>
             <a:endParaRPr lang="ru-RU"/>
           </a:p>
@@ -550,6 +553,90 @@
 </p:notesMaster>
 </file>
 
+<file path=ppt/notesSlides/notesSlide1.xml><?xml version="1.0" encoding="utf-8"?>
+<p:notes xmlns:a="http://schemas.openxmlformats.org/drawingml/2006/main" xmlns:r="http://schemas.openxmlformats.org/officeDocument/2006/relationships" xmlns:p="http://schemas.openxmlformats.org/presentationml/2006/main">
+  <p:cSld>
+    <p:spTree>
+      <p:nvGrpSpPr>
+        <p:cNvPr id="1" name=""/>
+        <p:cNvGrpSpPr/>
+        <p:nvPr/>
+      </p:nvGrpSpPr>
+      <p:grpSpPr>
+        <a:xfrm>
+          <a:off x="0" y="0"/>
+          <a:ext cx="0" cy="0"/>
+          <a:chOff x="0" y="0"/>
+          <a:chExt cx="0" cy="0"/>
+        </a:xfrm>
+      </p:grpSpPr>
+      <p:sp>
+        <p:nvSpPr>
+          <p:cNvPr id="2" name="Образ слайда 1"/>
+          <p:cNvSpPr>
+            <a:spLocks noGrp="1" noRot="1" noChangeAspect="1"/>
+          </p:cNvSpPr>
+          <p:nvPr>
+            <p:ph type="sldImg"/>
+          </p:nvPr>
+        </p:nvSpPr>
+        <p:spPr/>
+      </p:sp>
+      <p:sp>
+        <p:nvSpPr>
+          <p:cNvPr id="3" name="Заметки 2"/>
+          <p:cNvSpPr>
+            <a:spLocks noGrp="1"/>
+          </p:cNvSpPr>
+          <p:nvPr>
+            <p:ph type="body" idx="1"/>
+          </p:nvPr>
+        </p:nvSpPr>
+        <p:spPr/>
+        <p:txBody>
+          <a:bodyPr/>
+          <a:lstStyle/>
+          <a:p>
+            <a:endParaRPr lang="ru-RU" dirty="0"/>
+          </a:p>
+        </p:txBody>
+      </p:sp>
+      <p:sp>
+        <p:nvSpPr>
+          <p:cNvPr id="4" name="Номер слайда 3"/>
+          <p:cNvSpPr>
+            <a:spLocks noGrp="1"/>
+          </p:cNvSpPr>
+          <p:nvPr>
+            <p:ph type="sldNum" sz="quarter" idx="5"/>
+          </p:nvPr>
+        </p:nvSpPr>
+        <p:spPr/>
+        <p:txBody>
+          <a:bodyPr/>
+          <a:lstStyle/>
+          <a:p>
+            <a:fld id="{A1DE41C1-6CA6-47DB-AAD4-328EBF1B4491}" type="slidenum">
+              <a:rPr lang="ru-RU" smtClean="0"/>
+              <a:t>4</a:t>
+            </a:fld>
+            <a:endParaRPr lang="ru-RU"/>
+          </a:p>
+        </p:txBody>
+      </p:sp>
+    </p:spTree>
+    <p:extLst>
+      <p:ext uri="{BB962C8B-B14F-4D97-AF65-F5344CB8AC3E}">
+        <p14:creationId xmlns:p14="http://schemas.microsoft.com/office/powerpoint/2010/main" val="2288810407"/>
+      </p:ext>
+    </p:extLst>
+  </p:cSld>
+  <p:clrMapOvr>
+    <a:masterClrMapping/>
+  </p:clrMapOvr>
+</p:notes>
+</file>
+
 <file path=ppt/slideLayouts/slideLayout1.xml><?xml version="1.0" encoding="utf-8"?>
 <p:sldLayout xmlns:a="http://schemas.openxmlformats.org/drawingml/2006/main" xmlns:r="http://schemas.openxmlformats.org/officeDocument/2006/relationships" xmlns:p="http://schemas.openxmlformats.org/presentationml/2006/main" type="title" preserve="1">
   <p:cSld name="Титульный слайд">
@@ -697,7 +784,7 @@
           <a:p>
             <a:fld id="{10FACF8F-54BA-4C8B-81EB-3B1304A83E5E}" type="datetime1">
               <a:rPr lang="ru-RU" smtClean="0"/>
-              <a:t>26.04.2021</a:t>
+              <a:t>01.06.2021</a:t>
             </a:fld>
             <a:endParaRPr lang="ru-RU"/>
           </a:p>
@@ -895,7 +982,7 @@
           <a:p>
             <a:fld id="{6B89A4AE-B313-40B6-9574-08373B7FD46B}" type="datetime1">
               <a:rPr lang="ru-RU" smtClean="0"/>
-              <a:t>26.04.2021</a:t>
+              <a:t>01.06.2021</a:t>
             </a:fld>
             <a:endParaRPr lang="ru-RU"/>
           </a:p>
@@ -1103,7 +1190,7 @@
           <a:p>
             <a:fld id="{562D1735-1DED-4143-8841-28C84E286CAF}" type="datetime1">
               <a:rPr lang="ru-RU" smtClean="0"/>
-              <a:t>26.04.2021</a:t>
+              <a:t>01.06.2021</a:t>
             </a:fld>
             <a:endParaRPr lang="ru-RU"/>
           </a:p>
@@ -1301,7 +1388,7 @@
           <a:p>
             <a:fld id="{3DAB57F1-A4DB-4F1E-B7F0-2ACEBBBDC921}" type="datetime1">
               <a:rPr lang="ru-RU" smtClean="0"/>
-              <a:t>26.04.2021</a:t>
+              <a:t>01.06.2021</a:t>
             </a:fld>
             <a:endParaRPr lang="ru-RU"/>
           </a:p>
@@ -1576,7 +1663,7 @@
           <a:p>
             <a:fld id="{8ACBF714-59E8-47B7-9EF0-C2225F53CEAF}" type="datetime1">
               <a:rPr lang="ru-RU" smtClean="0"/>
-              <a:t>26.04.2021</a:t>
+              <a:t>01.06.2021</a:t>
             </a:fld>
             <a:endParaRPr lang="ru-RU"/>
           </a:p>
@@ -1841,7 +1928,7 @@
           <a:p>
             <a:fld id="{009DEB0F-66B2-4544-B27B-0741BE41E798}" type="datetime1">
               <a:rPr lang="ru-RU" smtClean="0"/>
-              <a:t>26.04.2021</a:t>
+              <a:t>01.06.2021</a:t>
             </a:fld>
             <a:endParaRPr lang="ru-RU"/>
           </a:p>
@@ -2253,7 +2340,7 @@
           <a:p>
             <a:fld id="{0AD23016-3A7F-4279-AE7D-7A432D282FAD}" type="datetime1">
               <a:rPr lang="ru-RU" smtClean="0"/>
-              <a:t>26.04.2021</a:t>
+              <a:t>01.06.2021</a:t>
             </a:fld>
             <a:endParaRPr lang="ru-RU"/>
           </a:p>
@@ -2394,7 +2481,7 @@
           <a:p>
             <a:fld id="{FB1A3B54-B47F-453B-9271-F00B4AAD600D}" type="datetime1">
               <a:rPr lang="ru-RU" smtClean="0"/>
-              <a:t>26.04.2021</a:t>
+              <a:t>01.06.2021</a:t>
             </a:fld>
             <a:endParaRPr lang="ru-RU"/>
           </a:p>
@@ -2507,7 +2594,7 @@
           <a:p>
             <a:fld id="{F1611CDA-09B7-4094-8905-45BFEFE2E79E}" type="datetime1">
               <a:rPr lang="ru-RU" smtClean="0"/>
-              <a:t>26.04.2021</a:t>
+              <a:t>01.06.2021</a:t>
             </a:fld>
             <a:endParaRPr lang="ru-RU"/>
           </a:p>
@@ -2818,7 +2905,7 @@
           <a:p>
             <a:fld id="{470C2C22-A867-4625-B558-2E6AB87FB8CD}" type="datetime1">
               <a:rPr lang="ru-RU" smtClean="0"/>
-              <a:t>26.04.2021</a:t>
+              <a:t>01.06.2021</a:t>
             </a:fld>
             <a:endParaRPr lang="ru-RU"/>
           </a:p>
@@ -3106,7 +3193,7 @@
           <a:p>
             <a:fld id="{55F4ECCB-F35A-4265-91E7-526DD0B562D7}" type="datetime1">
               <a:rPr lang="ru-RU" smtClean="0"/>
-              <a:t>26.04.2021</a:t>
+              <a:t>01.06.2021</a:t>
             </a:fld>
             <a:endParaRPr lang="ru-RU"/>
           </a:p>
@@ -3347,7 +3434,7 @@
           <a:p>
             <a:fld id="{925C2C56-09EF-4C2D-958B-6FAF7242336A}" type="datetime1">
               <a:rPr lang="ru-RU" smtClean="0"/>
-              <a:t>26.04.2021</a:t>
+              <a:t>01.06.2021</a:t>
             </a:fld>
             <a:endParaRPr lang="ru-RU"/>
           </a:p>
@@ -4076,6 +4163,578 @@
 </p:sld>
 </file>
 
+<file path=ppt/slides/slide10.xml><?xml version="1.0" encoding="utf-8"?>
+<p:sld xmlns:a="http://schemas.openxmlformats.org/drawingml/2006/main" xmlns:r="http://schemas.openxmlformats.org/officeDocument/2006/relationships" xmlns:p="http://schemas.openxmlformats.org/presentationml/2006/main">
+  <p:cSld>
+    <p:spTree>
+      <p:nvGrpSpPr>
+        <p:cNvPr id="1" name=""/>
+        <p:cNvGrpSpPr/>
+        <p:nvPr/>
+      </p:nvGrpSpPr>
+      <p:grpSpPr>
+        <a:xfrm>
+          <a:off x="0" y="0"/>
+          <a:ext cx="0" cy="0"/>
+          <a:chOff x="0" y="0"/>
+          <a:chExt cx="0" cy="0"/>
+        </a:xfrm>
+      </p:grpSpPr>
+      <p:sp>
+        <p:nvSpPr>
+          <p:cNvPr id="4" name="Заголовок 1">
+            <a:extLst>
+              <a:ext uri="{FF2B5EF4-FFF2-40B4-BE49-F238E27FC236}">
+                <a16:creationId xmlns:a16="http://schemas.microsoft.com/office/drawing/2014/main" id="{19A0D66F-D3DB-4ABE-8A09-C41242737FC5}"/>
+              </a:ext>
+            </a:extLst>
+          </p:cNvPr>
+          <p:cNvSpPr>
+            <a:spLocks noGrp="1"/>
+          </p:cNvSpPr>
+          <p:nvPr>
+            <p:ph type="title"/>
+          </p:nvPr>
+        </p:nvSpPr>
+        <p:spPr>
+          <a:xfrm>
+            <a:off x="838200" y="-218441"/>
+            <a:ext cx="10515600" cy="929641"/>
+          </a:xfrm>
+        </p:spPr>
+        <p:txBody>
+          <a:bodyPr>
+            <a:normAutofit/>
+          </a:bodyPr>
+          <a:lstStyle/>
+          <a:p>
+            <a:pPr algn="ctr"/>
+            <a:r>
+              <a:rPr lang="ru-RU" sz="3600" b="1" dirty="0">
+                <a:cs typeface="Times New Roman" panose="02020603050405020304" pitchFamily="18" charset="0"/>
+              </a:rPr>
+              <a:t>Общий алгоритм разбора запроса к серверу</a:t>
+            </a:r>
+          </a:p>
+        </p:txBody>
+      </p:sp>
+      <p:sp>
+        <p:nvSpPr>
+          <p:cNvPr id="2" name="Номер слайда 1">
+            <a:extLst>
+              <a:ext uri="{FF2B5EF4-FFF2-40B4-BE49-F238E27FC236}">
+                <a16:creationId xmlns:a16="http://schemas.microsoft.com/office/drawing/2014/main" id="{C46893BC-7D2F-46D0-A5B8-C26BEB282A30}"/>
+              </a:ext>
+            </a:extLst>
+          </p:cNvPr>
+          <p:cNvSpPr>
+            <a:spLocks noGrp="1"/>
+          </p:cNvSpPr>
+          <p:nvPr>
+            <p:ph type="sldNum" sz="quarter" idx="12"/>
+          </p:nvPr>
+        </p:nvSpPr>
+        <p:spPr/>
+        <p:txBody>
+          <a:bodyPr/>
+          <a:lstStyle/>
+          <a:p>
+            <a:fld id="{D91281A2-F083-4674-AF70-9405F9A6FA09}" type="slidenum">
+              <a:rPr lang="ru-RU" smtClean="0"/>
+              <a:t>10</a:t>
+            </a:fld>
+            <a:endParaRPr lang="ru-RU"/>
+          </a:p>
+        </p:txBody>
+      </p:sp>
+      <p:pic>
+        <p:nvPicPr>
+          <p:cNvPr id="8" name="Рисунок 7">
+            <a:extLst>
+              <a:ext uri="{FF2B5EF4-FFF2-40B4-BE49-F238E27FC236}">
+                <a16:creationId xmlns:a16="http://schemas.microsoft.com/office/drawing/2014/main" id="{EE16F7FA-398F-476C-9016-A93FD33525F4}"/>
+              </a:ext>
+            </a:extLst>
+          </p:cNvPr>
+          <p:cNvPicPr>
+            <a:picLocks noChangeAspect="1"/>
+          </p:cNvPicPr>
+          <p:nvPr/>
+        </p:nvPicPr>
+        <p:blipFill>
+          <a:blip r:embed="rId2">
+            <a:extLst>
+              <a:ext uri="{BEBA8EAE-BF5A-486C-A8C5-ECC9F3942E4B}">
+                <a14:imgProps xmlns:a14="http://schemas.microsoft.com/office/drawing/2010/main">
+                  <a14:imgLayer r:embed="rId3">
+                    <a14:imgEffect>
+                      <a14:colorTemperature colorTemp="11200"/>
+                    </a14:imgEffect>
+                    <a14:imgEffect>
+                      <a14:saturation sat="400000"/>
+                    </a14:imgEffect>
+                    <a14:imgEffect>
+                      <a14:brightnessContrast contrast="40000"/>
+                    </a14:imgEffect>
+                  </a14:imgLayer>
+                </a14:imgProps>
+              </a:ext>
+              <a:ext uri="{28A0092B-C50C-407E-A947-70E740481C1C}">
+                <a14:useLocalDpi xmlns:a14="http://schemas.microsoft.com/office/drawing/2010/main" val="0"/>
+              </a:ext>
+            </a:extLst>
+          </a:blip>
+          <a:stretch>
+            <a:fillRect/>
+          </a:stretch>
+        </p:blipFill>
+        <p:spPr>
+          <a:xfrm>
+            <a:off x="3775598" y="517688"/>
+            <a:ext cx="4308389" cy="6203787"/>
+          </a:xfrm>
+          <a:prstGeom prst="rect">
+            <a:avLst/>
+          </a:prstGeom>
+        </p:spPr>
+      </p:pic>
+    </p:spTree>
+    <p:extLst>
+      <p:ext uri="{BB962C8B-B14F-4D97-AF65-F5344CB8AC3E}">
+        <p14:creationId xmlns:p14="http://schemas.microsoft.com/office/powerpoint/2010/main" val="2328439963"/>
+      </p:ext>
+    </p:extLst>
+  </p:cSld>
+  <p:clrMapOvr>
+    <a:masterClrMapping/>
+  </p:clrMapOvr>
+</p:sld>
+</file>
+
+<file path=ppt/slides/slide11.xml><?xml version="1.0" encoding="utf-8"?>
+<p:sld xmlns:a="http://schemas.openxmlformats.org/drawingml/2006/main" xmlns:r="http://schemas.openxmlformats.org/officeDocument/2006/relationships" xmlns:p="http://schemas.openxmlformats.org/presentationml/2006/main">
+  <p:cSld>
+    <p:spTree>
+      <p:nvGrpSpPr>
+        <p:cNvPr id="1" name=""/>
+        <p:cNvGrpSpPr/>
+        <p:nvPr/>
+      </p:nvGrpSpPr>
+      <p:grpSpPr>
+        <a:xfrm>
+          <a:off x="0" y="0"/>
+          <a:ext cx="0" cy="0"/>
+          <a:chOff x="0" y="0"/>
+          <a:chExt cx="0" cy="0"/>
+        </a:xfrm>
+      </p:grpSpPr>
+      <p:sp>
+        <p:nvSpPr>
+          <p:cNvPr id="4" name="Заголовок 1">
+            <a:extLst>
+              <a:ext uri="{FF2B5EF4-FFF2-40B4-BE49-F238E27FC236}">
+                <a16:creationId xmlns:a16="http://schemas.microsoft.com/office/drawing/2014/main" id="{19A0D66F-D3DB-4ABE-8A09-C41242737FC5}"/>
+              </a:ext>
+            </a:extLst>
+          </p:cNvPr>
+          <p:cNvSpPr>
+            <a:spLocks noGrp="1"/>
+          </p:cNvSpPr>
+          <p:nvPr>
+            <p:ph type="title"/>
+          </p:nvPr>
+        </p:nvSpPr>
+        <p:spPr>
+          <a:xfrm>
+            <a:off x="838200" y="-218441"/>
+            <a:ext cx="10515600" cy="929641"/>
+          </a:xfrm>
+        </p:spPr>
+        <p:txBody>
+          <a:bodyPr>
+            <a:normAutofit/>
+          </a:bodyPr>
+          <a:lstStyle/>
+          <a:p>
+            <a:pPr algn="ctr"/>
+            <a:r>
+              <a:rPr lang="ru-RU" sz="3200" b="1" dirty="0">
+                <a:cs typeface="Times New Roman" panose="02020603050405020304" pitchFamily="18" charset="0"/>
+              </a:rPr>
+              <a:t>Пример реализации</a:t>
+            </a:r>
+          </a:p>
+        </p:txBody>
+      </p:sp>
+      <p:sp>
+        <p:nvSpPr>
+          <p:cNvPr id="2" name="Номер слайда 1">
+            <a:extLst>
+              <a:ext uri="{FF2B5EF4-FFF2-40B4-BE49-F238E27FC236}">
+                <a16:creationId xmlns:a16="http://schemas.microsoft.com/office/drawing/2014/main" id="{C46893BC-7D2F-46D0-A5B8-C26BEB282A30}"/>
+              </a:ext>
+            </a:extLst>
+          </p:cNvPr>
+          <p:cNvSpPr>
+            <a:spLocks noGrp="1"/>
+          </p:cNvSpPr>
+          <p:nvPr>
+            <p:ph type="sldNum" sz="quarter" idx="12"/>
+          </p:nvPr>
+        </p:nvSpPr>
+        <p:spPr/>
+        <p:txBody>
+          <a:bodyPr/>
+          <a:lstStyle/>
+          <a:p>
+            <a:fld id="{D91281A2-F083-4674-AF70-9405F9A6FA09}" type="slidenum">
+              <a:rPr lang="ru-RU" smtClean="0"/>
+              <a:t>11</a:t>
+            </a:fld>
+            <a:endParaRPr lang="ru-RU"/>
+          </a:p>
+        </p:txBody>
+      </p:sp>
+      <p:pic>
+        <p:nvPicPr>
+          <p:cNvPr id="6" name="Рисунок 5">
+            <a:extLst>
+              <a:ext uri="{FF2B5EF4-FFF2-40B4-BE49-F238E27FC236}">
+                <a16:creationId xmlns:a16="http://schemas.microsoft.com/office/drawing/2014/main" id="{EAD3C1A3-C589-4FB6-AF84-D16ED6BCFB84}"/>
+              </a:ext>
+            </a:extLst>
+          </p:cNvPr>
+          <p:cNvPicPr>
+            <a:picLocks noChangeAspect="1"/>
+          </p:cNvPicPr>
+          <p:nvPr/>
+        </p:nvPicPr>
+        <p:blipFill rotWithShape="1">
+          <a:blip r:embed="rId2">
+            <a:extLst>
+              <a:ext uri="{BEBA8EAE-BF5A-486C-A8C5-ECC9F3942E4B}">
+                <a14:imgProps xmlns:a14="http://schemas.microsoft.com/office/drawing/2010/main">
+                  <a14:imgLayer r:embed="rId3">
+                    <a14:imgEffect>
+                      <a14:colorTemperature colorTemp="11200"/>
+                    </a14:imgEffect>
+                    <a14:imgEffect>
+                      <a14:saturation sat="400000"/>
+                    </a14:imgEffect>
+                    <a14:imgEffect>
+                      <a14:brightnessContrast contrast="40000"/>
+                    </a14:imgEffect>
+                  </a14:imgLayer>
+                </a14:imgProps>
+              </a:ext>
+            </a:extLst>
+          </a:blip>
+          <a:srcRect r="37168"/>
+          <a:stretch/>
+        </p:blipFill>
+        <p:spPr>
+          <a:xfrm>
+            <a:off x="2913348" y="508416"/>
+            <a:ext cx="3894322" cy="6213059"/>
+          </a:xfrm>
+          <a:prstGeom prst="rect">
+            <a:avLst/>
+          </a:prstGeom>
+          <a:ln>
+            <a:solidFill>
+              <a:schemeClr val="tx1"/>
+            </a:solidFill>
+          </a:ln>
+        </p:spPr>
+      </p:pic>
+      <p:pic>
+        <p:nvPicPr>
+          <p:cNvPr id="8" name="Рисунок 7">
+            <a:extLst>
+              <a:ext uri="{FF2B5EF4-FFF2-40B4-BE49-F238E27FC236}">
+                <a16:creationId xmlns:a16="http://schemas.microsoft.com/office/drawing/2014/main" id="{150DB787-BA04-4A48-A995-C58CF98837C6}"/>
+              </a:ext>
+            </a:extLst>
+          </p:cNvPr>
+          <p:cNvPicPr>
+            <a:picLocks noChangeAspect="1"/>
+          </p:cNvPicPr>
+          <p:nvPr/>
+        </p:nvPicPr>
+        <p:blipFill>
+          <a:blip r:embed="rId4">
+            <a:extLst>
+              <a:ext uri="{BEBA8EAE-BF5A-486C-A8C5-ECC9F3942E4B}">
+                <a14:imgProps xmlns:a14="http://schemas.microsoft.com/office/drawing/2010/main">
+                  <a14:imgLayer r:embed="rId5">
+                    <a14:imgEffect>
+                      <a14:colorTemperature colorTemp="11200"/>
+                    </a14:imgEffect>
+                    <a14:imgEffect>
+                      <a14:saturation sat="400000"/>
+                    </a14:imgEffect>
+                    <a14:imgEffect>
+                      <a14:brightnessContrast contrast="40000"/>
+                    </a14:imgEffect>
+                  </a14:imgLayer>
+                </a14:imgProps>
+              </a:ext>
+            </a:extLst>
+          </a:blip>
+          <a:stretch>
+            <a:fillRect/>
+          </a:stretch>
+        </p:blipFill>
+        <p:spPr>
+          <a:xfrm>
+            <a:off x="7331492" y="540472"/>
+            <a:ext cx="4609342" cy="5395448"/>
+          </a:xfrm>
+          <a:prstGeom prst="rect">
+            <a:avLst/>
+          </a:prstGeom>
+          <a:ln>
+            <a:solidFill>
+              <a:schemeClr val="tx1"/>
+            </a:solidFill>
+          </a:ln>
+        </p:spPr>
+      </p:pic>
+      <p:sp>
+        <p:nvSpPr>
+          <p:cNvPr id="9" name="TextBox 8">
+            <a:extLst>
+              <a:ext uri="{FF2B5EF4-FFF2-40B4-BE49-F238E27FC236}">
+                <a16:creationId xmlns:a16="http://schemas.microsoft.com/office/drawing/2014/main" id="{F0DBC961-ABB2-4C76-A4BB-F1DA1DE5C288}"/>
+              </a:ext>
+            </a:extLst>
+          </p:cNvPr>
+          <p:cNvSpPr txBox="1"/>
+          <p:nvPr/>
+        </p:nvSpPr>
+        <p:spPr>
+          <a:xfrm>
+            <a:off x="76413" y="540472"/>
+            <a:ext cx="2663745" cy="954107"/>
+          </a:xfrm>
+          <a:prstGeom prst="rect">
+            <a:avLst/>
+          </a:prstGeom>
+          <a:noFill/>
+        </p:spPr>
+        <p:txBody>
+          <a:bodyPr wrap="square" rtlCol="0">
+            <a:spAutoFit/>
+          </a:bodyPr>
+          <a:lstStyle/>
+          <a:p>
+            <a:r>
+              <a:rPr lang="ru-RU" sz="2800" dirty="0">
+                <a:cs typeface="Times New Roman" panose="02020603050405020304" pitchFamily="18" charset="0"/>
+              </a:rPr>
+              <a:t>Запрос:</a:t>
+            </a:r>
+            <a:br>
+              <a:rPr lang="ru-RU" sz="2800" dirty="0">
+                <a:cs typeface="Times New Roman" panose="02020603050405020304" pitchFamily="18" charset="0"/>
+              </a:rPr>
+            </a:br>
+            <a:r>
+              <a:rPr lang="en-US" sz="2800" b="0" i="0" dirty="0">
+                <a:effectLst/>
+              </a:rPr>
+              <a:t>api/v1/1/chats/1</a:t>
+            </a:r>
+            <a:endParaRPr lang="ru-RU" sz="2800" dirty="0">
+              <a:cs typeface="Times New Roman" panose="02020603050405020304" pitchFamily="18" charset="0"/>
+            </a:endParaRPr>
+          </a:p>
+        </p:txBody>
+      </p:sp>
+      <p:sp>
+        <p:nvSpPr>
+          <p:cNvPr id="11" name="TextBox 10">
+            <a:extLst>
+              <a:ext uri="{FF2B5EF4-FFF2-40B4-BE49-F238E27FC236}">
+                <a16:creationId xmlns:a16="http://schemas.microsoft.com/office/drawing/2014/main" id="{A5CF87A2-C26C-40D8-9557-DBFF718A39B6}"/>
+              </a:ext>
+            </a:extLst>
+          </p:cNvPr>
+          <p:cNvSpPr txBox="1"/>
+          <p:nvPr/>
+        </p:nvSpPr>
+        <p:spPr>
+          <a:xfrm>
+            <a:off x="1770092" y="5935920"/>
+            <a:ext cx="1613188" cy="523220"/>
+          </a:xfrm>
+          <a:prstGeom prst="rect">
+            <a:avLst/>
+          </a:prstGeom>
+          <a:noFill/>
+        </p:spPr>
+        <p:txBody>
+          <a:bodyPr wrap="square" rtlCol="0">
+            <a:spAutoFit/>
+          </a:bodyPr>
+          <a:lstStyle/>
+          <a:p>
+            <a:r>
+              <a:rPr lang="ru-RU" sz="2800" dirty="0">
+                <a:cs typeface="Times New Roman" panose="02020603050405020304" pitchFamily="18" charset="0"/>
+              </a:rPr>
+              <a:t>Ответ:</a:t>
+            </a:r>
+          </a:p>
+        </p:txBody>
+      </p:sp>
+      <p:sp>
+        <p:nvSpPr>
+          <p:cNvPr id="12" name="TextBox 11">
+            <a:extLst>
+              <a:ext uri="{FF2B5EF4-FFF2-40B4-BE49-F238E27FC236}">
+                <a16:creationId xmlns:a16="http://schemas.microsoft.com/office/drawing/2014/main" id="{3B8A5E9A-D8D7-4233-A8C6-7F511C1FA7D9}"/>
+              </a:ext>
+            </a:extLst>
+          </p:cNvPr>
+          <p:cNvSpPr txBox="1"/>
+          <p:nvPr/>
+        </p:nvSpPr>
+        <p:spPr>
+          <a:xfrm>
+            <a:off x="7331492" y="5928240"/>
+            <a:ext cx="4200107" cy="523220"/>
+          </a:xfrm>
+          <a:prstGeom prst="rect">
+            <a:avLst/>
+          </a:prstGeom>
+          <a:noFill/>
+        </p:spPr>
+        <p:txBody>
+          <a:bodyPr wrap="square" rtlCol="0">
+            <a:spAutoFit/>
+          </a:bodyPr>
+          <a:lstStyle/>
+          <a:p>
+            <a:r>
+              <a:rPr lang="ru-RU" sz="2800" dirty="0">
+                <a:cs typeface="Times New Roman" panose="02020603050405020304" pitchFamily="18" charset="0"/>
+              </a:rPr>
+              <a:t>Ответ (продолжение)</a:t>
+            </a:r>
+          </a:p>
+        </p:txBody>
+      </p:sp>
+    </p:spTree>
+    <p:extLst>
+      <p:ext uri="{BB962C8B-B14F-4D97-AF65-F5344CB8AC3E}">
+        <p14:creationId xmlns:p14="http://schemas.microsoft.com/office/powerpoint/2010/main" val="1644108051"/>
+      </p:ext>
+    </p:extLst>
+  </p:cSld>
+  <p:clrMapOvr>
+    <a:masterClrMapping/>
+  </p:clrMapOvr>
+</p:sld>
+</file>
+
+<file path=ppt/slides/slide12.xml><?xml version="1.0" encoding="utf-8"?>
+<p:sld xmlns:a="http://schemas.openxmlformats.org/drawingml/2006/main" xmlns:r="http://schemas.openxmlformats.org/officeDocument/2006/relationships" xmlns:p="http://schemas.openxmlformats.org/presentationml/2006/main">
+  <p:cSld>
+    <p:spTree>
+      <p:nvGrpSpPr>
+        <p:cNvPr id="1" name=""/>
+        <p:cNvGrpSpPr/>
+        <p:nvPr/>
+      </p:nvGrpSpPr>
+      <p:grpSpPr>
+        <a:xfrm>
+          <a:off x="0" y="0"/>
+          <a:ext cx="0" cy="0"/>
+          <a:chOff x="0" y="0"/>
+          <a:chExt cx="0" cy="0"/>
+        </a:xfrm>
+      </p:grpSpPr>
+      <p:sp>
+        <p:nvSpPr>
+          <p:cNvPr id="4" name="Заголовок 1">
+            <a:extLst>
+              <a:ext uri="{FF2B5EF4-FFF2-40B4-BE49-F238E27FC236}">
+                <a16:creationId xmlns:a16="http://schemas.microsoft.com/office/drawing/2014/main" id="{19A0D66F-D3DB-4ABE-8A09-C41242737FC5}"/>
+              </a:ext>
+            </a:extLst>
+          </p:cNvPr>
+          <p:cNvSpPr>
+            <a:spLocks noGrp="1"/>
+          </p:cNvSpPr>
+          <p:nvPr>
+            <p:ph type="title"/>
+          </p:nvPr>
+        </p:nvSpPr>
+        <p:spPr>
+          <a:xfrm>
+            <a:off x="716280" y="2499359"/>
+            <a:ext cx="10515600" cy="929641"/>
+          </a:xfrm>
+        </p:spPr>
+        <p:txBody>
+          <a:bodyPr>
+            <a:normAutofit/>
+          </a:bodyPr>
+          <a:lstStyle/>
+          <a:p>
+            <a:pPr algn="ctr"/>
+            <a:r>
+              <a:rPr lang="ru-RU" sz="5400" b="1" dirty="0">
+                <a:cs typeface="Times New Roman" panose="02020603050405020304" pitchFamily="18" charset="0"/>
+              </a:rPr>
+              <a:t>Спасибо за внимание!</a:t>
+            </a:r>
+          </a:p>
+        </p:txBody>
+      </p:sp>
+      <p:sp>
+        <p:nvSpPr>
+          <p:cNvPr id="2" name="Номер слайда 1">
+            <a:extLst>
+              <a:ext uri="{FF2B5EF4-FFF2-40B4-BE49-F238E27FC236}">
+                <a16:creationId xmlns:a16="http://schemas.microsoft.com/office/drawing/2014/main" id="{C46893BC-7D2F-46D0-A5B8-C26BEB282A30}"/>
+              </a:ext>
+            </a:extLst>
+          </p:cNvPr>
+          <p:cNvSpPr>
+            <a:spLocks noGrp="1"/>
+          </p:cNvSpPr>
+          <p:nvPr>
+            <p:ph type="sldNum" sz="quarter" idx="12"/>
+          </p:nvPr>
+        </p:nvSpPr>
+        <p:spPr/>
+        <p:txBody>
+          <a:bodyPr/>
+          <a:lstStyle/>
+          <a:p>
+            <a:fld id="{D91281A2-F083-4674-AF70-9405F9A6FA09}" type="slidenum">
+              <a:rPr lang="ru-RU" smtClean="0"/>
+              <a:t>12</a:t>
+            </a:fld>
+            <a:endParaRPr lang="ru-RU"/>
+          </a:p>
+        </p:txBody>
+      </p:sp>
+    </p:spTree>
+    <p:extLst>
+      <p:ext uri="{BB962C8B-B14F-4D97-AF65-F5344CB8AC3E}">
+        <p14:creationId xmlns:p14="http://schemas.microsoft.com/office/powerpoint/2010/main" val="3524875847"/>
+      </p:ext>
+    </p:extLst>
+  </p:cSld>
+  <p:clrMapOvr>
+    <a:masterClrMapping/>
+  </p:clrMapOvr>
+</p:sld>
+</file>
+
 <file path=ppt/slides/slide2.xml><?xml version="1.0" encoding="utf-8"?>
 <p:sld xmlns:a="http://schemas.openxmlformats.org/drawingml/2006/main" xmlns:r="http://schemas.openxmlformats.org/officeDocument/2006/relationships" xmlns:p="http://schemas.openxmlformats.org/presentationml/2006/main">
   <p:cSld>
@@ -4112,7 +4771,7 @@
         <p:spPr>
           <a:xfrm>
             <a:off x="-157480" y="0"/>
-            <a:ext cx="12506960" cy="1107440"/>
+            <a:ext cx="12058321" cy="1107440"/>
           </a:xfrm>
         </p:spPr>
         <p:txBody>
@@ -4124,7 +4783,6 @@
             <a:pPr algn="ctr"/>
             <a:r>
               <a:rPr lang="ru-RU" sz="3200" b="1" dirty="0">
-                <a:latin typeface="Times New Roman" panose="02020603050405020304" pitchFamily="18" charset="0"/>
                 <a:cs typeface="Times New Roman" panose="02020603050405020304" pitchFamily="18" charset="0"/>
               </a:rPr>
               <a:t>Актуальные потребности развития сервиса обмена сообщениями</a:t>
@@ -4174,8 +4832,8 @@
         </p:blipFill>
         <p:spPr>
           <a:xfrm>
-            <a:off x="118227" y="616405"/>
-            <a:ext cx="5693293" cy="6076994"/>
+            <a:off x="6787825" y="873317"/>
+            <a:ext cx="5113016" cy="5802120"/>
           </a:xfrm>
           <a:prstGeom prst="rect">
             <a:avLst/>
@@ -4264,8 +4922,8 @@
         </p:blipFill>
         <p:spPr>
           <a:xfrm>
-            <a:off x="5901572" y="616404"/>
-            <a:ext cx="6328965" cy="2985526"/>
+            <a:off x="302261" y="2128111"/>
+            <a:ext cx="4336738" cy="2294407"/>
           </a:xfrm>
           <a:prstGeom prst="rect">
             <a:avLst/>
@@ -4320,8 +4978,8 @@
         </p:blipFill>
         <p:spPr>
           <a:xfrm>
-            <a:off x="5901573" y="3541832"/>
-            <a:ext cx="6328966" cy="3151567"/>
+            <a:off x="1887700" y="4181674"/>
+            <a:ext cx="4598800" cy="2493763"/>
           </a:xfrm>
           <a:prstGeom prst="rect">
             <a:avLst/>
@@ -4333,6 +4991,72 @@
           </a:ln>
         </p:spPr>
       </p:pic>
+      <p:sp>
+        <p:nvSpPr>
+          <p:cNvPr id="9" name="TextBox 8">
+            <a:extLst>
+              <a:ext uri="{FF2B5EF4-FFF2-40B4-BE49-F238E27FC236}">
+                <a16:creationId xmlns:a16="http://schemas.microsoft.com/office/drawing/2014/main" id="{DB668973-E1DE-46DE-867F-3BE9768E514B}"/>
+              </a:ext>
+            </a:extLst>
+          </p:cNvPr>
+          <p:cNvSpPr txBox="1"/>
+          <p:nvPr/>
+        </p:nvSpPr>
+        <p:spPr>
+          <a:xfrm>
+            <a:off x="291159" y="595762"/>
+            <a:ext cx="7003721" cy="1384995"/>
+          </a:xfrm>
+          <a:prstGeom prst="rect">
+            <a:avLst/>
+          </a:prstGeom>
+          <a:noFill/>
+        </p:spPr>
+        <p:txBody>
+          <a:bodyPr wrap="square">
+            <a:spAutoFit/>
+          </a:bodyPr>
+          <a:lstStyle/>
+          <a:p>
+            <a:r>
+              <a:rPr lang="ru-RU" sz="2800" dirty="0">
+                <a:effectLst/>
+                <a:latin typeface="Times New Roman" panose="02020603050405020304" pitchFamily="18" charset="0"/>
+                <a:ea typeface="Times New Roman" panose="02020603050405020304" pitchFamily="18" charset="0"/>
+                <a:cs typeface="Times New Roman" panose="02020603050405020304" pitchFamily="18" charset="0"/>
+              </a:rPr>
+              <a:t>Основные улучшения:</a:t>
+            </a:r>
+          </a:p>
+          <a:p>
+            <a:pPr marL="285750" indent="-285750">
+              <a:buFontTx/>
+              <a:buChar char="-"/>
+            </a:pPr>
+            <a:r>
+              <a:rPr lang="ru-RU" sz="2800" dirty="0">
+                <a:latin typeface="Times New Roman" panose="02020603050405020304" pitchFamily="18" charset="0"/>
+                <a:cs typeface="Times New Roman" panose="02020603050405020304" pitchFamily="18" charset="0"/>
+              </a:rPr>
+              <a:t>Синхронный обмен сообщениями</a:t>
+            </a:r>
+          </a:p>
+          <a:p>
+            <a:pPr marL="285750" indent="-285750">
+              <a:buFontTx/>
+              <a:buChar char="-"/>
+            </a:pPr>
+            <a:r>
+              <a:rPr lang="ru-RU" sz="2800" dirty="0">
+                <a:latin typeface="Times New Roman" panose="02020603050405020304" pitchFamily="18" charset="0"/>
+                <a:cs typeface="Times New Roman" panose="02020603050405020304" pitchFamily="18" charset="0"/>
+              </a:rPr>
+              <a:t>Типы чатов</a:t>
+            </a:r>
+          </a:p>
+        </p:txBody>
+      </p:sp>
     </p:spTree>
     <p:extLst>
       <p:ext uri="{BB962C8B-B14F-4D97-AF65-F5344CB8AC3E}">
@@ -4394,7 +5118,6 @@
             <a:pPr algn="ctr"/>
             <a:r>
               <a:rPr lang="ru-RU" sz="3600" b="1" dirty="0">
-                <a:latin typeface="Times New Roman" panose="02020603050405020304" pitchFamily="18" charset="0"/>
                 <a:cs typeface="Times New Roman" panose="02020603050405020304" pitchFamily="18" charset="0"/>
               </a:rPr>
               <a:t>Цель и задачи выпускной квалификационной  работы</a:t>
@@ -4549,7 +5272,7 @@
                 <a:latin typeface="Times New Roman" panose="02020603050405020304" pitchFamily="18" charset="0"/>
                 <a:cs typeface="Times New Roman" panose="02020603050405020304" pitchFamily="18" charset="0"/>
               </a:rPr>
-              <a:t> реализовать программный продукт.</a:t>
+              <a:t> реализовать серверную подсистему.</a:t>
             </a:r>
             <a:endParaRPr lang="ru-RU" sz="3200" dirty="0">
               <a:effectLst/>
@@ -4649,7 +5372,6 @@
             <a:pPr algn="ctr"/>
             <a:r>
               <a:rPr lang="ru-RU" sz="3600" b="1" dirty="0">
-                <a:latin typeface="Times New Roman" panose="02020603050405020304" pitchFamily="18" charset="0"/>
                 <a:cs typeface="Times New Roman" panose="02020603050405020304" pitchFamily="18" charset="0"/>
               </a:rPr>
               <a:t>Обзор аналогов</a:t>
@@ -5431,7 +6153,6 @@
             <a:pPr algn="ctr"/>
             <a:r>
               <a:rPr lang="ru-RU" sz="3600" b="1" dirty="0">
-                <a:latin typeface="Times New Roman" panose="02020603050405020304" pitchFamily="18" charset="0"/>
                 <a:cs typeface="Times New Roman" panose="02020603050405020304" pitchFamily="18" charset="0"/>
               </a:rPr>
               <a:t>Требования к программному обеспечению</a:t>
@@ -5894,7 +6615,6 @@
             <a:pPr algn="ctr"/>
             <a:r>
               <a:rPr lang="ru-RU" sz="3600" b="1" dirty="0">
-                <a:latin typeface="Times New Roman" panose="02020603050405020304" pitchFamily="18" charset="0"/>
                 <a:cs typeface="Times New Roman" panose="02020603050405020304" pitchFamily="18" charset="0"/>
               </a:rPr>
               <a:t>Диаграмма вариантов использования сервиса обмена сообщениями</a:t>
@@ -6086,27 +6806,22 @@
       </mc:AlternateContent>
       <p:pic>
         <p:nvPicPr>
-          <p:cNvPr id="11" name="Рисунок 10">
-            <a:extLst>
-              <a:ext uri="{FF2B5EF4-FFF2-40B4-BE49-F238E27FC236}">
-                <a16:creationId xmlns:a16="http://schemas.microsoft.com/office/drawing/2014/main" id="{5CC19083-CF78-47A6-9687-79F200A81259}"/>
-              </a:ext>
-            </a:extLst>
-          </p:cNvPr>
-          <p:cNvPicPr>
-            <a:picLocks noChangeAspect="1"/>
-          </p:cNvPicPr>
+          <p:cNvPr id="8" name="Рисунок 7">
+            <a:extLst>
+              <a:ext uri="{FF2B5EF4-FFF2-40B4-BE49-F238E27FC236}">
+                <a16:creationId xmlns:a16="http://schemas.microsoft.com/office/drawing/2014/main" id="{5441D246-E25A-4FDF-A309-BB117E12D46E}"/>
+              </a:ext>
+            </a:extLst>
+          </p:cNvPr>
+          <p:cNvPicPr/>
           <p:nvPr/>
         </p:nvPicPr>
         <p:blipFill>
-          <a:blip r:embed="rId9">
+          <a:blip r:embed="rId9" cstate="print">
             <a:extLst>
               <a:ext uri="{BEBA8EAE-BF5A-486C-A8C5-ECC9F3942E4B}">
                 <a14:imgProps xmlns:a14="http://schemas.microsoft.com/office/drawing/2010/main">
                   <a14:imgLayer r:embed="rId10">
-                    <a14:imgEffect>
-                      <a14:sharpenSoften amount="50000"/>
-                    </a14:imgEffect>
                     <a14:imgEffect>
                       <a14:colorTemperature colorTemp="11200"/>
                     </a14:imgEffect>
@@ -6119,20 +6834,25 @@
                   </a14:imgLayer>
                 </a14:imgProps>
               </a:ext>
+              <a:ext uri="{28A0092B-C50C-407E-A947-70E740481C1C}">
+                <a14:useLocalDpi xmlns:a14="http://schemas.microsoft.com/office/drawing/2010/main" val="0"/>
+              </a:ext>
             </a:extLst>
           </a:blip>
+          <a:srcRect/>
           <a:stretch>
             <a:fillRect/>
           </a:stretch>
         </p:blipFill>
-        <p:spPr>
+        <p:spPr bwMode="auto">
           <a:xfrm>
-            <a:off x="714625" y="914112"/>
-            <a:ext cx="10762749" cy="5807363"/>
+            <a:off x="461285" y="535939"/>
+            <a:ext cx="11289030" cy="6088381"/>
           </a:xfrm>
           <a:prstGeom prst="rect">
             <a:avLst/>
           </a:prstGeom>
+          <a:noFill/>
           <a:ln>
             <a:solidFill>
               <a:schemeClr val="tx1"/>
@@ -6200,8 +6920,7 @@
           <a:p>
             <a:pPr algn="ctr"/>
             <a:r>
-              <a:rPr lang="ru-RU" sz="2800" b="1" dirty="0">
-                <a:latin typeface="Times New Roman" panose="02020603050405020304" pitchFamily="18" charset="0"/>
+              <a:rPr lang="ru-RU" sz="3200" b="1" dirty="0">
                 <a:cs typeface="Times New Roman" panose="02020603050405020304" pitchFamily="18" charset="0"/>
               </a:rPr>
               <a:t>Логическая схема базы данных</a:t>
@@ -6240,10 +6959,10 @@
       </p:sp>
       <p:pic>
         <p:nvPicPr>
-          <p:cNvPr id="8" name="Рисунок 7">
-            <a:extLst>
-              <a:ext uri="{FF2B5EF4-FFF2-40B4-BE49-F238E27FC236}">
-                <a16:creationId xmlns:a16="http://schemas.microsoft.com/office/drawing/2014/main" id="{1C282169-9D01-421C-9B5F-0F5981BC30AC}"/>
+          <p:cNvPr id="5" name="Рисунок 4">
+            <a:extLst>
+              <a:ext uri="{FF2B5EF4-FFF2-40B4-BE49-F238E27FC236}">
+                <a16:creationId xmlns:a16="http://schemas.microsoft.com/office/drawing/2014/main" id="{13E212C7-A584-4B4C-A624-4E6076B192CD}"/>
               </a:ext>
             </a:extLst>
           </p:cNvPr>
@@ -6257,16 +6976,10 @@
                 <a14:imgProps xmlns:a14="http://schemas.microsoft.com/office/drawing/2010/main">
                   <a14:imgLayer r:embed="rId3">
                     <a14:imgEffect>
-                      <a14:sharpenSoften amount="50000"/>
-                    </a14:imgEffect>
-                    <a14:imgEffect>
                       <a14:colorTemperature colorTemp="11200"/>
                     </a14:imgEffect>
                     <a14:imgEffect>
                       <a14:saturation sat="400000"/>
-                    </a14:imgEffect>
-                    <a14:imgEffect>
-                      <a14:brightnessContrast contrast="40000"/>
                     </a14:imgEffect>
                   </a14:imgLayer>
                 </a14:imgProps>
@@ -6283,8 +6996,8 @@
         </p:blipFill>
         <p:spPr bwMode="auto">
           <a:xfrm>
-            <a:off x="1227455" y="464820"/>
-            <a:ext cx="9737090" cy="6256655"/>
+            <a:off x="374967" y="567689"/>
+            <a:ext cx="11442065" cy="6036311"/>
           </a:xfrm>
           <a:prstGeom prst="rect">
             <a:avLst/>
@@ -6358,10 +7071,9 @@
             <a:pPr algn="ctr"/>
             <a:r>
               <a:rPr lang="ru-RU" sz="3600" b="1" dirty="0">
-                <a:latin typeface="Times New Roman" panose="02020603050405020304" pitchFamily="18" charset="0"/>
                 <a:cs typeface="Times New Roman" panose="02020603050405020304" pitchFamily="18" charset="0"/>
               </a:rPr>
-              <a:t>АПИ</a:t>
+              <a:t>АПИ – общая информация</a:t>
             </a:r>
           </a:p>
         </p:txBody>
@@ -6409,8 +7121,8 @@
         </p:nvSpPr>
         <p:spPr>
           <a:xfrm>
-            <a:off x="685800" y="470237"/>
-            <a:ext cx="9697720" cy="1815882"/>
+            <a:off x="364297" y="462379"/>
+            <a:ext cx="4947920" cy="2265919"/>
           </a:xfrm>
           <a:prstGeom prst="rect">
             <a:avLst/>
@@ -6418,12 +7130,12 @@
           <a:noFill/>
         </p:spPr>
         <p:txBody>
-          <a:bodyPr wrap="square" numCol="2">
+          <a:bodyPr wrap="square" numCol="1">
             <a:spAutoFit/>
           </a:bodyPr>
           <a:lstStyle/>
           <a:p>
-            <a:pPr lvl="0" indent="457200" algn="just">
+            <a:pPr lvl="0" algn="just">
               <a:buSzPts val="1400"/>
             </a:pPr>
             <a:r>
@@ -6464,21 +7176,6 @@
               </a:rPr>
               <a:t>чат;</a:t>
             </a:r>
-            <a:endParaRPr lang="en-US" sz="2800" dirty="0">
-              <a:effectLst/>
-              <a:latin typeface="Times New Roman" panose="02020603050405020304" pitchFamily="18" charset="0"/>
-              <a:ea typeface="Times New Roman" panose="02020603050405020304" pitchFamily="18" charset="0"/>
-            </a:endParaRPr>
-          </a:p>
-          <a:p>
-            <a:pPr marL="342900" lvl="0" algn="just">
-              <a:buSzPts val="1400"/>
-            </a:pPr>
-            <a:endParaRPr lang="ru-RU" sz="2800" dirty="0">
-              <a:effectLst/>
-              <a:latin typeface="Times New Roman" panose="02020603050405020304" pitchFamily="18" charset="0"/>
-              <a:ea typeface="Times New Roman" panose="02020603050405020304" pitchFamily="18" charset="0"/>
-            </a:endParaRPr>
           </a:p>
           <a:p>
             <a:pPr marL="342900" lvl="0" indent="457200" algn="just">
@@ -6522,10 +7219,10 @@
       </p:sp>
       <p:pic>
         <p:nvPicPr>
-          <p:cNvPr id="8" name="Рисунок 7">
-            <a:extLst>
-              <a:ext uri="{FF2B5EF4-FFF2-40B4-BE49-F238E27FC236}">
-                <a16:creationId xmlns:a16="http://schemas.microsoft.com/office/drawing/2014/main" id="{C7F4BFF4-C8F7-4037-817C-5A03D8E224D0}"/>
+          <p:cNvPr id="5" name="Рисунок 4">
+            <a:extLst>
+              <a:ext uri="{FF2B5EF4-FFF2-40B4-BE49-F238E27FC236}">
+                <a16:creationId xmlns:a16="http://schemas.microsoft.com/office/drawing/2014/main" id="{6FF99822-4AB6-47D5-A1A0-C929AC9F73BF}"/>
               </a:ext>
             </a:extLst>
           </p:cNvPr>
@@ -6540,9 +7237,6 @@
               <a:ext uri="{BEBA8EAE-BF5A-486C-A8C5-ECC9F3942E4B}">
                 <a14:imgProps xmlns:a14="http://schemas.microsoft.com/office/drawing/2010/main">
                   <a14:imgLayer r:embed="rId3">
-                    <a14:imgEffect>
-                      <a14:sharpenSoften amount="50000"/>
-                    </a14:imgEffect>
                     <a14:imgEffect>
                       <a14:colorTemperature colorTemp="11200"/>
                     </a14:imgEffect>
@@ -6557,13 +7251,13 @@
               </a:ext>
             </a:extLst>
           </a:blip>
-          <a:srcRect r="40636"/>
+          <a:srcRect t="1766" r="35789" b="1748"/>
           <a:stretch/>
         </p:blipFill>
         <p:spPr>
           <a:xfrm>
-            <a:off x="71120" y="2350336"/>
-            <a:ext cx="4744720" cy="4489233"/>
+            <a:off x="2514254" y="2728298"/>
+            <a:ext cx="3271593" cy="3810614"/>
           </a:xfrm>
           <a:prstGeom prst="rect">
             <a:avLst/>
@@ -6577,10 +7271,10 @@
       </p:pic>
       <p:sp>
         <p:nvSpPr>
-          <p:cNvPr id="9" name="TextBox 8">
-            <a:extLst>
-              <a:ext uri="{FF2B5EF4-FFF2-40B4-BE49-F238E27FC236}">
-                <a16:creationId xmlns:a16="http://schemas.microsoft.com/office/drawing/2014/main" id="{39C69C29-C04F-496E-86CA-49CE8589F716}"/>
+          <p:cNvPr id="11" name="TextBox 10">
+            <a:extLst>
+              <a:ext uri="{FF2B5EF4-FFF2-40B4-BE49-F238E27FC236}">
+                <a16:creationId xmlns:a16="http://schemas.microsoft.com/office/drawing/2014/main" id="{E648D527-ED92-48D9-881A-EC6A34F14922}"/>
               </a:ext>
             </a:extLst>
           </p:cNvPr>
@@ -6589,8 +7283,8 @@
         </p:nvSpPr>
         <p:spPr>
           <a:xfrm>
-            <a:off x="0" y="1762899"/>
-            <a:ext cx="5884624" cy="523220"/>
+            <a:off x="151660" y="5200084"/>
+            <a:ext cx="2415679" cy="1338828"/>
           </a:xfrm>
           <a:prstGeom prst="rect">
             <a:avLst/>
@@ -6598,27 +7292,83 @@
           <a:noFill/>
         </p:spPr>
         <p:txBody>
-          <a:bodyPr wrap="none" rtlCol="0">
+          <a:bodyPr wrap="square" rtlCol="0">
             <a:spAutoFit/>
           </a:bodyPr>
           <a:lstStyle/>
           <a:p>
             <a:r>
-              <a:rPr lang="ru-RU" sz="2800" dirty="0">
+              <a:rPr lang="ru-RU" sz="2700" dirty="0">
                 <a:latin typeface="Times New Roman" panose="02020603050405020304" pitchFamily="18" charset="0"/>
                 <a:cs typeface="Times New Roman" panose="02020603050405020304" pitchFamily="18" charset="0"/>
               </a:rPr>
-              <a:t>Пример схемы ресурса (Сообщение):</a:t>
-            </a:r>
-          </a:p>
-        </p:txBody>
-      </p:sp>
-      <p:sp>
-        <p:nvSpPr>
-          <p:cNvPr id="10" name="TextBox 9">
-            <a:extLst>
-              <a:ext uri="{FF2B5EF4-FFF2-40B4-BE49-F238E27FC236}">
-                <a16:creationId xmlns:a16="http://schemas.microsoft.com/office/drawing/2014/main" id="{E2450C84-9D15-46EF-9EF8-1E9F4996CD1A}"/>
+              <a:t>Пример схемы ресурса (Пользователь)</a:t>
+            </a:r>
+          </a:p>
+        </p:txBody>
+      </p:sp>
+      <p:pic>
+        <p:nvPicPr>
+          <p:cNvPr id="10" name="Рисунок 9">
+            <a:extLst>
+              <a:ext uri="{FF2B5EF4-FFF2-40B4-BE49-F238E27FC236}">
+                <a16:creationId xmlns:a16="http://schemas.microsoft.com/office/drawing/2014/main" id="{592C75BC-1814-4950-A950-88A3562E263B}"/>
+              </a:ext>
+            </a:extLst>
+          </p:cNvPr>
+          <p:cNvPicPr>
+            <a:picLocks noChangeAspect="1"/>
+          </p:cNvPicPr>
+          <p:nvPr/>
+        </p:nvPicPr>
+        <p:blipFill>
+          <a:blip r:embed="rId4">
+            <a:extLst>
+              <a:ext uri="{BEBA8EAE-BF5A-486C-A8C5-ECC9F3942E4B}">
+                <a14:imgProps xmlns:a14="http://schemas.microsoft.com/office/drawing/2010/main">
+                  <a14:imgLayer r:embed="rId5">
+                    <a14:imgEffect>
+                      <a14:colorTemperature colorTemp="11200"/>
+                    </a14:imgEffect>
+                    <a14:imgEffect>
+                      <a14:saturation sat="400000"/>
+                    </a14:imgEffect>
+                    <a14:imgEffect>
+                      <a14:brightnessContrast contrast="40000"/>
+                    </a14:imgEffect>
+                  </a14:imgLayer>
+                </a14:imgProps>
+              </a:ext>
+              <a:ext uri="{28A0092B-C50C-407E-A947-70E740481C1C}">
+                <a14:useLocalDpi xmlns:a14="http://schemas.microsoft.com/office/drawing/2010/main" val="0"/>
+              </a:ext>
+            </a:extLst>
+          </a:blip>
+          <a:stretch>
+            <a:fillRect/>
+          </a:stretch>
+        </p:blipFill>
+        <p:spPr>
+          <a:xfrm>
+            <a:off x="6879785" y="584045"/>
+            <a:ext cx="4301844" cy="5589742"/>
+          </a:xfrm>
+          <a:prstGeom prst="rect">
+            <a:avLst/>
+          </a:prstGeom>
+          <a:ln>
+            <a:solidFill>
+              <a:schemeClr val="tx1"/>
+            </a:solidFill>
+          </a:ln>
+        </p:spPr>
+      </p:pic>
+      <p:sp>
+        <p:nvSpPr>
+          <p:cNvPr id="12" name="TextBox 11">
+            <a:extLst>
+              <a:ext uri="{FF2B5EF4-FFF2-40B4-BE49-F238E27FC236}">
+                <a16:creationId xmlns:a16="http://schemas.microsoft.com/office/drawing/2014/main" id="{E259CBA2-55CF-421E-86E6-8C595E1C6609}"/>
               </a:ext>
             </a:extLst>
           </p:cNvPr>
@@ -6627,8 +7377,8 @@
         </p:nvSpPr>
         <p:spPr>
           <a:xfrm>
-            <a:off x="5785238" y="1762899"/>
-            <a:ext cx="5175969" cy="1384995"/>
+            <a:off x="5877836" y="6077247"/>
+            <a:ext cx="6488621" cy="461665"/>
           </a:xfrm>
           <a:prstGeom prst="rect">
             <a:avLst/>
@@ -6636,58 +7386,50 @@
           <a:noFill/>
         </p:spPr>
         <p:txBody>
-          <a:bodyPr wrap="none" rtlCol="0">
+          <a:bodyPr wrap="square" rtlCol="0">
             <a:spAutoFit/>
           </a:bodyPr>
           <a:lstStyle/>
           <a:p>
             <a:r>
-              <a:rPr lang="ru-RU" sz="2800" dirty="0">
+              <a:rPr lang="ru-RU" sz="2400" dirty="0">
                 <a:latin typeface="Times New Roman" panose="02020603050405020304" pitchFamily="18" charset="0"/>
                 <a:cs typeface="Times New Roman" panose="02020603050405020304" pitchFamily="18" charset="0"/>
               </a:rPr>
-              <a:t>Пример </a:t>
-            </a:r>
-            <a:r>
-              <a:rPr lang="ru-RU" sz="2800" dirty="0" err="1">
+              <a:t>Общая схема построения </a:t>
+            </a:r>
+            <a:r>
+              <a:rPr lang="en-US" sz="2400" dirty="0">
                 <a:latin typeface="Times New Roman" panose="02020603050405020304" pitchFamily="18" charset="0"/>
                 <a:cs typeface="Times New Roman" panose="02020603050405020304" pitchFamily="18" charset="0"/>
               </a:rPr>
-              <a:t>эндпоинта</a:t>
-            </a:r>
-            <a:r>
-              <a:rPr lang="ru-RU" sz="2800" dirty="0">
+              <a:t>URL </a:t>
+            </a:r>
+            <a:r>
+              <a:rPr lang="ru-RU" sz="2400" dirty="0">
                 <a:latin typeface="Times New Roman" panose="02020603050405020304" pitchFamily="18" charset="0"/>
                 <a:cs typeface="Times New Roman" panose="02020603050405020304" pitchFamily="18" charset="0"/>
               </a:rPr>
-              <a:t>(Сообщение):</a:t>
-            </a:r>
-          </a:p>
-          <a:p>
-            <a:endParaRPr lang="ru-RU" sz="2800" dirty="0">
+              <a:t>для </a:t>
+            </a:r>
+            <a:r>
+              <a:rPr lang="ru-RU" sz="2400" dirty="0" err="1">
+                <a:latin typeface="Times New Roman" panose="02020603050405020304" pitchFamily="18" charset="0"/>
+                <a:cs typeface="Times New Roman" panose="02020603050405020304" pitchFamily="18" charset="0"/>
+              </a:rPr>
+              <a:t>эндпоинтов</a:t>
+            </a:r>
+            <a:endParaRPr lang="ru-RU" sz="2400" dirty="0">
               <a:latin typeface="Times New Roman" panose="02020603050405020304" pitchFamily="18" charset="0"/>
               <a:cs typeface="Times New Roman" panose="02020603050405020304" pitchFamily="18" charset="0"/>
             </a:endParaRPr>
           </a:p>
-          <a:p>
-            <a:r>
-              <a:rPr lang="en-US" sz="2800" dirty="0">
-                <a:latin typeface="Times New Roman" panose="02020603050405020304" pitchFamily="18" charset="0"/>
-                <a:cs typeface="Times New Roman" panose="02020603050405020304" pitchFamily="18" charset="0"/>
-              </a:rPr>
-              <a:t>/api/v1/{userId}/chats/{chatId}</a:t>
-            </a:r>
-            <a:endParaRPr lang="ru-RU" sz="2800" dirty="0">
-              <a:latin typeface="Times New Roman" panose="02020603050405020304" pitchFamily="18" charset="0"/>
-              <a:cs typeface="Times New Roman" panose="02020603050405020304" pitchFamily="18" charset="0"/>
-            </a:endParaRPr>
-          </a:p>
         </p:txBody>
       </p:sp>
     </p:spTree>
     <p:extLst>
       <p:ext uri="{BB962C8B-B14F-4D97-AF65-F5344CB8AC3E}">
-        <p14:creationId xmlns:p14="http://schemas.microsoft.com/office/powerpoint/2010/main" val="3242349959"/>
+        <p14:creationId xmlns:p14="http://schemas.microsoft.com/office/powerpoint/2010/main" val="2785266001"/>
       </p:ext>
     </p:extLst>
   </p:cSld>
@@ -6744,11 +7486,10 @@
           <a:p>
             <a:pPr algn="ctr"/>
             <a:r>
-              <a:rPr lang="ru-RU" sz="2800" b="1" dirty="0">
-                <a:latin typeface="Times New Roman" panose="02020603050405020304" pitchFamily="18" charset="0"/>
+              <a:rPr lang="ru-RU" sz="3600" b="1" dirty="0">
                 <a:cs typeface="Times New Roman" panose="02020603050405020304" pitchFamily="18" charset="0"/>
               </a:rPr>
-              <a:t>Реализация</a:t>
+              <a:t>АПИ – Примеры</a:t>
             </a:r>
           </a:p>
         </p:txBody>
@@ -6784,10 +7525,10 @@
       </p:sp>
       <p:pic>
         <p:nvPicPr>
-          <p:cNvPr id="5" name="Рисунок 4">
-            <a:extLst>
-              <a:ext uri="{FF2B5EF4-FFF2-40B4-BE49-F238E27FC236}">
-                <a16:creationId xmlns:a16="http://schemas.microsoft.com/office/drawing/2014/main" id="{97E976F8-E2C5-439D-B5CA-5CA9BED66E7C}"/>
+          <p:cNvPr id="14" name="Рисунок 13">
+            <a:extLst>
+              <a:ext uri="{FF2B5EF4-FFF2-40B4-BE49-F238E27FC236}">
+                <a16:creationId xmlns:a16="http://schemas.microsoft.com/office/drawing/2014/main" id="{860CFFDB-B24B-47AA-B44D-D1A690AF51CC}"/>
               </a:ext>
             </a:extLst>
           </p:cNvPr>
@@ -6802,9 +7543,6 @@
               <a:ext uri="{BEBA8EAE-BF5A-486C-A8C5-ECC9F3942E4B}">
                 <a14:imgProps xmlns:a14="http://schemas.microsoft.com/office/drawing/2010/main">
                   <a14:imgLayer r:embed="rId3">
-                    <a14:imgEffect>
-                      <a14:sharpenSoften amount="50000"/>
-                    </a14:imgEffect>
                     <a14:imgEffect>
                       <a14:colorTemperature colorTemp="11200"/>
                     </a14:imgEffect>
@@ -6825,8 +7563,8 @@
         </p:blipFill>
         <p:spPr>
           <a:xfrm>
-            <a:off x="2994555" y="547828"/>
-            <a:ext cx="6202890" cy="6310172"/>
+            <a:off x="972368" y="3146624"/>
+            <a:ext cx="7504065" cy="3111341"/>
           </a:xfrm>
           <a:prstGeom prst="rect">
             <a:avLst/>
@@ -6838,10 +7576,266 @@
           </a:ln>
         </p:spPr>
       </p:pic>
+      <p:sp>
+        <p:nvSpPr>
+          <p:cNvPr id="15" name="TextBox 14">
+            <a:extLst>
+              <a:ext uri="{FF2B5EF4-FFF2-40B4-BE49-F238E27FC236}">
+                <a16:creationId xmlns:a16="http://schemas.microsoft.com/office/drawing/2014/main" id="{DBEAF664-5E2A-4648-A2E0-379C926CDA70}"/>
+              </a:ext>
+            </a:extLst>
+          </p:cNvPr>
+          <p:cNvSpPr txBox="1"/>
+          <p:nvPr/>
+        </p:nvSpPr>
+        <p:spPr>
+          <a:xfrm>
+            <a:off x="91440" y="600035"/>
+            <a:ext cx="8519160" cy="2360390"/>
+          </a:xfrm>
+          <a:prstGeom prst="rect">
+            <a:avLst/>
+          </a:prstGeom>
+          <a:noFill/>
+        </p:spPr>
+        <p:txBody>
+          <a:bodyPr wrap="square" rtlCol="0">
+            <a:spAutoFit/>
+          </a:bodyPr>
+          <a:lstStyle/>
+          <a:p>
+            <a:pPr>
+              <a:lnSpc>
+                <a:spcPct val="120000"/>
+              </a:lnSpc>
+            </a:pPr>
+            <a:r>
+              <a:rPr lang="ru-RU" sz="2500" dirty="0">
+                <a:latin typeface="Times New Roman" panose="02020603050405020304" pitchFamily="18" charset="0"/>
+                <a:cs typeface="Times New Roman" panose="02020603050405020304" pitchFamily="18" charset="0"/>
+              </a:rPr>
+              <a:t>Примеры </a:t>
+            </a:r>
+            <a:r>
+              <a:rPr lang="ru-RU" sz="2500" dirty="0" err="1">
+                <a:latin typeface="Times New Roman" panose="02020603050405020304" pitchFamily="18" charset="0"/>
+                <a:cs typeface="Times New Roman" panose="02020603050405020304" pitchFamily="18" charset="0"/>
+              </a:rPr>
+              <a:t>эндпоинтов</a:t>
+            </a:r>
+            <a:r>
+              <a:rPr lang="ru-RU" sz="2500" dirty="0">
+                <a:latin typeface="Times New Roman" panose="02020603050405020304" pitchFamily="18" charset="0"/>
+                <a:cs typeface="Times New Roman" panose="02020603050405020304" pitchFamily="18" charset="0"/>
+              </a:rPr>
+              <a:t> (в качестве адреса сервера выступает локальный сервер):</a:t>
+            </a:r>
+          </a:p>
+          <a:p>
+            <a:pPr>
+              <a:lnSpc>
+                <a:spcPct val="120000"/>
+              </a:lnSpc>
+            </a:pPr>
+            <a:r>
+              <a:rPr lang="ru-RU" sz="2500" dirty="0">
+                <a:latin typeface="Times New Roman" panose="02020603050405020304" pitchFamily="18" charset="0"/>
+                <a:cs typeface="Times New Roman" panose="02020603050405020304" pitchFamily="18" charset="0"/>
+              </a:rPr>
+              <a:t>Чат - </a:t>
+            </a:r>
+            <a:r>
+              <a:rPr lang="en-US" sz="2500" b="0" i="0" dirty="0">
+                <a:effectLst/>
+                <a:latin typeface="Times New Roman" panose="02020603050405020304" pitchFamily="18" charset="0"/>
+                <a:cs typeface="Times New Roman" panose="02020603050405020304" pitchFamily="18" charset="0"/>
+              </a:rPr>
+              <a:t>http://127.0.0.1:8000</a:t>
+            </a:r>
+            <a:r>
+              <a:rPr lang="en-US" sz="2500" dirty="0">
+                <a:latin typeface="Times New Roman" panose="02020603050405020304" pitchFamily="18" charset="0"/>
+                <a:cs typeface="Times New Roman" panose="02020603050405020304" pitchFamily="18" charset="0"/>
+              </a:rPr>
+              <a:t>/api/v1/</a:t>
+            </a:r>
+            <a:r>
+              <a:rPr lang="ru-RU" sz="2500" dirty="0">
+                <a:latin typeface="Times New Roman" panose="02020603050405020304" pitchFamily="18" charset="0"/>
+                <a:cs typeface="Times New Roman" panose="02020603050405020304" pitchFamily="18" charset="0"/>
+              </a:rPr>
+              <a:t>1/</a:t>
+            </a:r>
+            <a:r>
+              <a:rPr lang="en-US" sz="2500" dirty="0">
+                <a:latin typeface="Times New Roman" panose="02020603050405020304" pitchFamily="18" charset="0"/>
+                <a:cs typeface="Times New Roman" panose="02020603050405020304" pitchFamily="18" charset="0"/>
+              </a:rPr>
+              <a:t>chats/</a:t>
+            </a:r>
+            <a:r>
+              <a:rPr lang="ru-RU" sz="2500" dirty="0">
+                <a:latin typeface="Times New Roman" panose="02020603050405020304" pitchFamily="18" charset="0"/>
+                <a:cs typeface="Times New Roman" panose="02020603050405020304" pitchFamily="18" charset="0"/>
+              </a:rPr>
+              <a:t>1</a:t>
+            </a:r>
+          </a:p>
+          <a:p>
+            <a:pPr>
+              <a:lnSpc>
+                <a:spcPct val="120000"/>
+              </a:lnSpc>
+            </a:pPr>
+            <a:r>
+              <a:rPr lang="ru-RU" sz="2500" dirty="0">
+                <a:latin typeface="Times New Roman" panose="02020603050405020304" pitchFamily="18" charset="0"/>
+                <a:cs typeface="Times New Roman" panose="02020603050405020304" pitchFamily="18" charset="0"/>
+              </a:rPr>
+              <a:t>Пользователь -</a:t>
+            </a:r>
+            <a:r>
+              <a:rPr lang="en-US" sz="2500" b="0" i="0" dirty="0">
+                <a:effectLst/>
+                <a:latin typeface="Times New Roman" panose="02020603050405020304" pitchFamily="18" charset="0"/>
+                <a:cs typeface="Times New Roman" panose="02020603050405020304" pitchFamily="18" charset="0"/>
+              </a:rPr>
+              <a:t>http://127.0.0.1:8000/api/v1/1/chats/1/users/1</a:t>
+            </a:r>
+            <a:endParaRPr lang="ru-RU" sz="2500" dirty="0">
+              <a:latin typeface="Times New Roman" panose="02020603050405020304" pitchFamily="18" charset="0"/>
+              <a:cs typeface="Times New Roman" panose="02020603050405020304" pitchFamily="18" charset="0"/>
+            </a:endParaRPr>
+          </a:p>
+          <a:p>
+            <a:pPr>
+              <a:lnSpc>
+                <a:spcPct val="120000"/>
+              </a:lnSpc>
+            </a:pPr>
+            <a:r>
+              <a:rPr lang="ru-RU" sz="2500" dirty="0">
+                <a:latin typeface="Times New Roman" panose="02020603050405020304" pitchFamily="18" charset="0"/>
+                <a:cs typeface="Times New Roman" panose="02020603050405020304" pitchFamily="18" charset="0"/>
+              </a:rPr>
+              <a:t>Сообщение - </a:t>
+            </a:r>
+            <a:r>
+              <a:rPr lang="en-US" sz="2500" b="0" i="0" dirty="0">
+                <a:effectLst/>
+                <a:latin typeface="Times New Roman" panose="02020603050405020304" pitchFamily="18" charset="0"/>
+                <a:cs typeface="Times New Roman" panose="02020603050405020304" pitchFamily="18" charset="0"/>
+              </a:rPr>
+              <a:t>http://127.0.0.1:8000/api/v1/1/chats/1/messages/2</a:t>
+            </a:r>
+          </a:p>
+        </p:txBody>
+      </p:sp>
+      <p:pic>
+        <p:nvPicPr>
+          <p:cNvPr id="5" name="Рисунок 4">
+            <a:extLst>
+              <a:ext uri="{FF2B5EF4-FFF2-40B4-BE49-F238E27FC236}">
+                <a16:creationId xmlns:a16="http://schemas.microsoft.com/office/drawing/2014/main" id="{766DEC93-2E98-4605-9C52-11B9C6514E87}"/>
+              </a:ext>
+            </a:extLst>
+          </p:cNvPr>
+          <p:cNvPicPr>
+            <a:picLocks noChangeAspect="1"/>
+          </p:cNvPicPr>
+          <p:nvPr/>
+        </p:nvPicPr>
+        <p:blipFill>
+          <a:blip r:embed="rId4">
+            <a:extLst>
+              <a:ext uri="{BEBA8EAE-BF5A-486C-A8C5-ECC9F3942E4B}">
+                <a14:imgProps xmlns:a14="http://schemas.microsoft.com/office/drawing/2010/main">
+                  <a14:imgLayer r:embed="rId5">
+                    <a14:imgEffect>
+                      <a14:colorTemperature colorTemp="11200"/>
+                    </a14:imgEffect>
+                    <a14:imgEffect>
+                      <a14:saturation sat="400000"/>
+                    </a14:imgEffect>
+                    <a14:imgEffect>
+                      <a14:brightnessContrast contrast="40000"/>
+                    </a14:imgEffect>
+                  </a14:imgLayer>
+                </a14:imgProps>
+              </a:ext>
+            </a:extLst>
+          </a:blip>
+          <a:stretch>
+            <a:fillRect/>
+          </a:stretch>
+        </p:blipFill>
+        <p:spPr>
+          <a:xfrm>
+            <a:off x="8610600" y="366701"/>
+            <a:ext cx="3322319" cy="6480573"/>
+          </a:xfrm>
+          <a:prstGeom prst="rect">
+            <a:avLst/>
+          </a:prstGeom>
+          <a:ln>
+            <a:solidFill>
+              <a:schemeClr val="tx1"/>
+            </a:solidFill>
+          </a:ln>
+        </p:spPr>
+      </p:pic>
+      <p:sp>
+        <p:nvSpPr>
+          <p:cNvPr id="9" name="TextBox 8">
+            <a:extLst>
+              <a:ext uri="{FF2B5EF4-FFF2-40B4-BE49-F238E27FC236}">
+                <a16:creationId xmlns:a16="http://schemas.microsoft.com/office/drawing/2014/main" id="{DC9F8EB3-B008-4CDD-99C5-5072FDAC8B64}"/>
+              </a:ext>
+            </a:extLst>
+          </p:cNvPr>
+          <p:cNvSpPr txBox="1"/>
+          <p:nvPr/>
+        </p:nvSpPr>
+        <p:spPr>
+          <a:xfrm>
+            <a:off x="1149909" y="6148858"/>
+            <a:ext cx="7460691" cy="530594"/>
+          </a:xfrm>
+          <a:prstGeom prst="rect">
+            <a:avLst/>
+          </a:prstGeom>
+          <a:noFill/>
+        </p:spPr>
+        <p:txBody>
+          <a:bodyPr wrap="square" rtlCol="0">
+            <a:spAutoFit/>
+          </a:bodyPr>
+          <a:lstStyle/>
+          <a:p>
+            <a:pPr>
+              <a:lnSpc>
+                <a:spcPct val="120000"/>
+              </a:lnSpc>
+            </a:pPr>
+            <a:r>
+              <a:rPr lang="ru-RU" sz="2600" dirty="0">
+                <a:latin typeface="Times New Roman" panose="02020603050405020304" pitchFamily="18" charset="0"/>
+                <a:cs typeface="Times New Roman" panose="02020603050405020304" pitchFamily="18" charset="0"/>
+              </a:rPr>
+              <a:t>Описание ресурса (справа) и его эндпоинты (слева)</a:t>
+            </a:r>
+            <a:endParaRPr lang="en-US" sz="2600" b="0" i="0" dirty="0">
+              <a:effectLst/>
+              <a:latin typeface="Times New Roman" panose="02020603050405020304" pitchFamily="18" charset="0"/>
+              <a:cs typeface="Times New Roman" panose="02020603050405020304" pitchFamily="18" charset="0"/>
+            </a:endParaRPr>
+          </a:p>
+        </p:txBody>
+      </p:sp>
     </p:spTree>
     <p:extLst>
       <p:ext uri="{BB962C8B-B14F-4D97-AF65-F5344CB8AC3E}">
-        <p14:creationId xmlns:p14="http://schemas.microsoft.com/office/powerpoint/2010/main" val="2328439963"/>
+        <p14:creationId xmlns:p14="http://schemas.microsoft.com/office/powerpoint/2010/main" val="1811802370"/>
       </p:ext>
     </p:extLst>
   </p:cSld>

--- a/Diploma/Диплом/Преза/ВКР_Шорин.pptx
+++ b/Diploma/Диплом/Преза/ВКР_Шорин.pptx
@@ -5,7 +5,7 @@
     <p:sldMasterId id="2147483648" r:id="rId1"/>
   </p:sldMasterIdLst>
   <p:notesMasterIdLst>
-    <p:notesMasterId r:id="rId14"/>
+    <p:notesMasterId r:id="rId15"/>
   </p:notesMasterIdLst>
   <p:sldIdLst>
     <p:sldId id="256" r:id="rId2"/>
@@ -19,7 +19,8 @@
     <p:sldId id="272" r:id="rId10"/>
     <p:sldId id="268" r:id="rId11"/>
     <p:sldId id="269" r:id="rId12"/>
-    <p:sldId id="270" r:id="rId13"/>
+    <p:sldId id="273" r:id="rId13"/>
+    <p:sldId id="270" r:id="rId14"/>
   </p:sldIdLst>
   <p:sldSz cx="12192000" cy="6858000"/>
   <p:notesSz cx="6858000" cy="9144000"/>
@@ -286,7 +287,7 @@
           <a:p>
             <a:fld id="{ED78A052-3A30-4889-829C-6270381F9F9B}" type="datetimeFigureOut">
               <a:rPr lang="ru-RU" smtClean="0"/>
-              <a:t>01.06.2021</a:t>
+              <a:t>03.06.2021</a:t>
             </a:fld>
             <a:endParaRPr lang="ru-RU"/>
           </a:p>
@@ -784,7 +785,7 @@
           <a:p>
             <a:fld id="{10FACF8F-54BA-4C8B-81EB-3B1304A83E5E}" type="datetime1">
               <a:rPr lang="ru-RU" smtClean="0"/>
-              <a:t>01.06.2021</a:t>
+              <a:t>03.06.2021</a:t>
             </a:fld>
             <a:endParaRPr lang="ru-RU"/>
           </a:p>
@@ -982,7 +983,7 @@
           <a:p>
             <a:fld id="{6B89A4AE-B313-40B6-9574-08373B7FD46B}" type="datetime1">
               <a:rPr lang="ru-RU" smtClean="0"/>
-              <a:t>01.06.2021</a:t>
+              <a:t>03.06.2021</a:t>
             </a:fld>
             <a:endParaRPr lang="ru-RU"/>
           </a:p>
@@ -1190,7 +1191,7 @@
           <a:p>
             <a:fld id="{562D1735-1DED-4143-8841-28C84E286CAF}" type="datetime1">
               <a:rPr lang="ru-RU" smtClean="0"/>
-              <a:t>01.06.2021</a:t>
+              <a:t>03.06.2021</a:t>
             </a:fld>
             <a:endParaRPr lang="ru-RU"/>
           </a:p>
@@ -1388,7 +1389,7 @@
           <a:p>
             <a:fld id="{3DAB57F1-A4DB-4F1E-B7F0-2ACEBBBDC921}" type="datetime1">
               <a:rPr lang="ru-RU" smtClean="0"/>
-              <a:t>01.06.2021</a:t>
+              <a:t>03.06.2021</a:t>
             </a:fld>
             <a:endParaRPr lang="ru-RU"/>
           </a:p>
@@ -1663,7 +1664,7 @@
           <a:p>
             <a:fld id="{8ACBF714-59E8-47B7-9EF0-C2225F53CEAF}" type="datetime1">
               <a:rPr lang="ru-RU" smtClean="0"/>
-              <a:t>01.06.2021</a:t>
+              <a:t>03.06.2021</a:t>
             </a:fld>
             <a:endParaRPr lang="ru-RU"/>
           </a:p>
@@ -1928,7 +1929,7 @@
           <a:p>
             <a:fld id="{009DEB0F-66B2-4544-B27B-0741BE41E798}" type="datetime1">
               <a:rPr lang="ru-RU" smtClean="0"/>
-              <a:t>01.06.2021</a:t>
+              <a:t>03.06.2021</a:t>
             </a:fld>
             <a:endParaRPr lang="ru-RU"/>
           </a:p>
@@ -2340,7 +2341,7 @@
           <a:p>
             <a:fld id="{0AD23016-3A7F-4279-AE7D-7A432D282FAD}" type="datetime1">
               <a:rPr lang="ru-RU" smtClean="0"/>
-              <a:t>01.06.2021</a:t>
+              <a:t>03.06.2021</a:t>
             </a:fld>
             <a:endParaRPr lang="ru-RU"/>
           </a:p>
@@ -2481,7 +2482,7 @@
           <a:p>
             <a:fld id="{FB1A3B54-B47F-453B-9271-F00B4AAD600D}" type="datetime1">
               <a:rPr lang="ru-RU" smtClean="0"/>
-              <a:t>01.06.2021</a:t>
+              <a:t>03.06.2021</a:t>
             </a:fld>
             <a:endParaRPr lang="ru-RU"/>
           </a:p>
@@ -2594,7 +2595,7 @@
           <a:p>
             <a:fld id="{F1611CDA-09B7-4094-8905-45BFEFE2E79E}" type="datetime1">
               <a:rPr lang="ru-RU" smtClean="0"/>
-              <a:t>01.06.2021</a:t>
+              <a:t>03.06.2021</a:t>
             </a:fld>
             <a:endParaRPr lang="ru-RU"/>
           </a:p>
@@ -2905,7 +2906,7 @@
           <a:p>
             <a:fld id="{470C2C22-A867-4625-B558-2E6AB87FB8CD}" type="datetime1">
               <a:rPr lang="ru-RU" smtClean="0"/>
-              <a:t>01.06.2021</a:t>
+              <a:t>03.06.2021</a:t>
             </a:fld>
             <a:endParaRPr lang="ru-RU"/>
           </a:p>
@@ -3193,7 +3194,7 @@
           <a:p>
             <a:fld id="{55F4ECCB-F35A-4265-91E7-526DD0B562D7}" type="datetime1">
               <a:rPr lang="ru-RU" smtClean="0"/>
-              <a:t>01.06.2021</a:t>
+              <a:t>03.06.2021</a:t>
             </a:fld>
             <a:endParaRPr lang="ru-RU"/>
           </a:p>
@@ -3434,7 +3435,7 @@
           <a:p>
             <a:fld id="{925C2C56-09EF-4C2D-958B-6FAF7242336A}" type="datetime1">
               <a:rPr lang="ru-RU" smtClean="0"/>
-              <a:t>01.06.2021</a:t>
+              <a:t>03.06.2021</a:t>
             </a:fld>
             <a:endParaRPr lang="ru-RU"/>
           </a:p>
@@ -3885,7 +3886,35 @@
                 <a:latin typeface="Times New Roman" pitchFamily="18" charset="0"/>
                 <a:cs typeface="Times New Roman" pitchFamily="18" charset="0"/>
               </a:rPr>
-              <a:t>МИНИСТЕРСТВО ВЫСШЕГО ОБРАЗОВАНИЯ И НАУКИ РОССИЙСКОЙ ФЕДЕРАЦИИ</a:t>
+              <a:t>МИНИСТЕРСТВО НАУКИ</a:t>
+            </a:r>
+            <a:r>
+              <a:rPr lang="en-US" sz="2400" dirty="0">
+                <a:latin typeface="Times New Roman" pitchFamily="18" charset="0"/>
+                <a:cs typeface="Times New Roman" pitchFamily="18" charset="0"/>
+              </a:rPr>
+              <a:t> </a:t>
+            </a:r>
+            <a:r>
+              <a:rPr lang="ru-RU" sz="2400" dirty="0">
+                <a:latin typeface="Times New Roman" pitchFamily="18" charset="0"/>
+                <a:cs typeface="Times New Roman" pitchFamily="18" charset="0"/>
+              </a:rPr>
+              <a:t>И ВЫСШЕГО ОБРАЗОВАНИЯ</a:t>
+            </a:r>
+            <a:r>
+              <a:rPr lang="en-US" sz="2400" dirty="0">
+                <a:latin typeface="Times New Roman" pitchFamily="18" charset="0"/>
+                <a:cs typeface="Times New Roman" pitchFamily="18" charset="0"/>
+              </a:rPr>
+              <a:t> </a:t>
+            </a:r>
+            <a:r>
+              <a:rPr lang="ru-RU" sz="2400" dirty="0">
+                <a:latin typeface="Times New Roman" pitchFamily="18" charset="0"/>
+                <a:cs typeface="Times New Roman" pitchFamily="18" charset="0"/>
+              </a:rPr>
+              <a:t>РОССИЙСКОЙ ФЕДЕРАЦИИ</a:t>
             </a:r>
             <a:br>
               <a:rPr lang="ru-RU" sz="2400" dirty="0">
@@ -4034,7 +4063,7 @@
         <p:spPr>
           <a:xfrm>
             <a:off x="6969761" y="4762418"/>
-            <a:ext cx="4996434" cy="1015663"/>
+            <a:ext cx="4996434" cy="1323439"/>
           </a:xfrm>
           <a:prstGeom prst="rect">
             <a:avLst/>
@@ -4097,17 +4126,30 @@
                 <a:latin typeface="Times New Roman" panose="02020603050405020304" pitchFamily="18" charset="0"/>
                 <a:cs typeface="Times New Roman" panose="02020603050405020304" pitchFamily="18" charset="0"/>
               </a:rPr>
-              <a:t> к.т.н. доцент кафедры ПГ,</a:t>
-            </a:r>
-          </a:p>
-          <a:p>
-            <a:pPr algn="r"/>
-            <a:r>
+              <a:t> к.т.н., доцент кафедры </a:t>
+            </a:r>
+            <a:br>
               <a:rPr lang="ru-RU" sz="2000" dirty="0">
                 <a:latin typeface="Times New Roman" panose="02020603050405020304" pitchFamily="18" charset="0"/>
                 <a:cs typeface="Times New Roman" panose="02020603050405020304" pitchFamily="18" charset="0"/>
               </a:rPr>
-              <a:t>Фролов А.И.</a:t>
+            </a:br>
+            <a:r>
+              <a:rPr lang="ru-RU" sz="2000" dirty="0">
+                <a:latin typeface="Times New Roman" panose="02020603050405020304" pitchFamily="18" charset="0"/>
+                <a:cs typeface="Times New Roman" panose="02020603050405020304" pitchFamily="18" charset="0"/>
+              </a:rPr>
+              <a:t>ИС и ЦТ</a:t>
+            </a:r>
+          </a:p>
+          <a:p>
+            <a:pPr algn="r"/>
+            <a:r>
+              <a:rPr lang="ru-RU" sz="2000" dirty="0">
+                <a:latin typeface="Times New Roman" panose="02020603050405020304" pitchFamily="18" charset="0"/>
+                <a:cs typeface="Times New Roman" panose="02020603050405020304" pitchFamily="18" charset="0"/>
+              </a:rPr>
+              <a:t> Фролов А.И.</a:t>
             </a:r>
           </a:p>
         </p:txBody>
@@ -4126,8 +4168,8 @@
         </p:nvSpPr>
         <p:spPr>
           <a:xfrm>
-            <a:off x="5385032" y="6331484"/>
-            <a:ext cx="1421932" cy="369332"/>
+            <a:off x="4927714" y="6215314"/>
+            <a:ext cx="2336568" cy="461665"/>
           </a:xfrm>
           <a:prstGeom prst="rect">
             <a:avLst/>
@@ -4141,7 +4183,7 @@
           <a:p>
             <a:pPr algn="ctr"/>
             <a:r>
-              <a:rPr lang="ru-RU" dirty="0">
+              <a:rPr lang="ru-RU" sz="2400" dirty="0">
                 <a:latin typeface="Times New Roman" panose="02020603050405020304" pitchFamily="18" charset="0"/>
                 <a:cs typeface="Times New Roman" panose="02020603050405020304" pitchFamily="18" charset="0"/>
               </a:rPr>
@@ -4673,6 +4715,307 @@
         </p:nvSpPr>
         <p:spPr>
           <a:xfrm>
+            <a:off x="838200" y="39122"/>
+            <a:ext cx="10515600" cy="734835"/>
+          </a:xfrm>
+        </p:spPr>
+        <p:txBody>
+          <a:bodyPr>
+            <a:normAutofit/>
+          </a:bodyPr>
+          <a:lstStyle/>
+          <a:p>
+            <a:pPr algn="ctr"/>
+            <a:r>
+              <a:rPr lang="ru-RU" sz="3200" b="1" dirty="0">
+                <a:highlight>
+                  <a:srgbClr val="FFFF00"/>
+                </a:highlight>
+                <a:cs typeface="Times New Roman" panose="02020603050405020304" pitchFamily="18" charset="0"/>
+              </a:rPr>
+              <a:t>Полученные результаты</a:t>
+            </a:r>
+          </a:p>
+        </p:txBody>
+      </p:sp>
+      <p:sp>
+        <p:nvSpPr>
+          <p:cNvPr id="2" name="Номер слайда 1">
+            <a:extLst>
+              <a:ext uri="{FF2B5EF4-FFF2-40B4-BE49-F238E27FC236}">
+                <a16:creationId xmlns:a16="http://schemas.microsoft.com/office/drawing/2014/main" id="{C46893BC-7D2F-46D0-A5B8-C26BEB282A30}"/>
+              </a:ext>
+            </a:extLst>
+          </p:cNvPr>
+          <p:cNvSpPr>
+            <a:spLocks noGrp="1"/>
+          </p:cNvSpPr>
+          <p:nvPr>
+            <p:ph type="sldNum" sz="quarter" idx="12"/>
+          </p:nvPr>
+        </p:nvSpPr>
+        <p:spPr/>
+        <p:txBody>
+          <a:bodyPr/>
+          <a:lstStyle/>
+          <a:p>
+            <a:fld id="{D91281A2-F083-4674-AF70-9405F9A6FA09}" type="slidenum">
+              <a:rPr lang="ru-RU" smtClean="0"/>
+              <a:t>12</a:t>
+            </a:fld>
+            <a:endParaRPr lang="ru-RU"/>
+          </a:p>
+        </p:txBody>
+      </p:sp>
+      <p:graphicFrame>
+        <p:nvGraphicFramePr>
+          <p:cNvPr id="3" name="Таблица 4">
+            <a:extLst>
+              <a:ext uri="{FF2B5EF4-FFF2-40B4-BE49-F238E27FC236}">
+                <a16:creationId xmlns:a16="http://schemas.microsoft.com/office/drawing/2014/main" id="{AE3E5807-82EC-4ADC-B520-D1C0B79214B0}"/>
+              </a:ext>
+            </a:extLst>
+          </p:cNvPr>
+          <p:cNvGraphicFramePr>
+            <a:graphicFrameLocks noGrp="1"/>
+          </p:cNvGraphicFramePr>
+          <p:nvPr>
+            <p:extLst>
+              <p:ext uri="{D42A27DB-BD31-4B8C-83A1-F6EECF244321}">
+                <p14:modId xmlns:p14="http://schemas.microsoft.com/office/powerpoint/2010/main" val="3003361376"/>
+              </p:ext>
+            </p:extLst>
+          </p:nvPr>
+        </p:nvGraphicFramePr>
+        <p:xfrm>
+          <a:off x="1308100" y="1239879"/>
+          <a:ext cx="9575800" cy="4144286"/>
+        </p:xfrm>
+        <a:graphic>
+          <a:graphicData uri="http://schemas.openxmlformats.org/drawingml/2006/table">
+            <a:tbl>
+              <a:tblPr firstRow="1" bandRow="1">
+                <a:tableStyleId>{5C22544A-7EE6-4342-B048-85BDC9FD1C3A}</a:tableStyleId>
+              </a:tblPr>
+              <a:tblGrid>
+                <a:gridCol w="4787900">
+                  <a:extLst>
+                    <a:ext uri="{9D8B030D-6E8A-4147-A177-3AD203B41FA5}">
+                      <a16:colId xmlns:a16="http://schemas.microsoft.com/office/drawing/2014/main" val="545648502"/>
+                    </a:ext>
+                  </a:extLst>
+                </a:gridCol>
+                <a:gridCol w="4787900">
+                  <a:extLst>
+                    <a:ext uri="{9D8B030D-6E8A-4147-A177-3AD203B41FA5}">
+                      <a16:colId xmlns:a16="http://schemas.microsoft.com/office/drawing/2014/main" val="2202103148"/>
+                    </a:ext>
+                  </a:extLst>
+                </a:gridCol>
+              </a:tblGrid>
+              <a:tr h="1112253">
+                <a:tc>
+                  <a:txBody>
+                    <a:bodyPr/>
+                    <a:lstStyle/>
+                    <a:p>
+                      <a:pPr algn="ctr"/>
+                      <a:r>
+                        <a:rPr lang="ru-RU" sz="2800" dirty="0"/>
+                        <a:t>Атрибут</a:t>
+                      </a:r>
+                    </a:p>
+                  </a:txBody>
+                  <a:tcPr anchor="ctr"/>
+                </a:tc>
+                <a:tc>
+                  <a:txBody>
+                    <a:bodyPr/>
+                    <a:lstStyle/>
+                    <a:p>
+                      <a:pPr algn="ctr"/>
+                      <a:r>
+                        <a:rPr lang="ru-RU" sz="2800" dirty="0"/>
+                        <a:t>Средство достижения</a:t>
+                      </a:r>
+                    </a:p>
+                  </a:txBody>
+                  <a:tcPr anchor="ctr"/>
+                </a:tc>
+                <a:extLst>
+                  <a:ext uri="{0D108BD9-81ED-4DB2-BD59-A6C34878D82A}">
+                    <a16:rowId xmlns:a16="http://schemas.microsoft.com/office/drawing/2014/main" val="1245360241"/>
+                  </a:ext>
+                </a:extLst>
+              </a:tr>
+              <a:tr h="1112253">
+                <a:tc>
+                  <a:txBody>
+                    <a:bodyPr/>
+                    <a:lstStyle/>
+                    <a:p>
+                      <a:r>
+                        <a:rPr lang="ru-RU" sz="2800" dirty="0"/>
+                        <a:t>Тестируемость (</a:t>
+                      </a:r>
+                      <a:r>
+                        <a:rPr lang="en-US" sz="2800" b="0" i="0" kern="1200" dirty="0">
+                          <a:solidFill>
+                            <a:schemeClr val="dk1"/>
+                          </a:solidFill>
+                          <a:effectLst/>
+                          <a:latin typeface="+mn-lt"/>
+                          <a:ea typeface="+mn-ea"/>
+                          <a:cs typeface="+mn-cs"/>
+                        </a:rPr>
+                        <a:t>testability</a:t>
+                      </a:r>
+                      <a:r>
+                        <a:rPr lang="ru-RU" sz="2800" b="0" i="0" kern="1200" dirty="0">
+                          <a:solidFill>
+                            <a:schemeClr val="dk1"/>
+                          </a:solidFill>
+                          <a:effectLst/>
+                          <a:latin typeface="+mn-lt"/>
+                          <a:ea typeface="+mn-ea"/>
+                          <a:cs typeface="+mn-cs"/>
+                        </a:rPr>
+                        <a:t>)</a:t>
+                      </a:r>
+                      <a:endParaRPr lang="ru-RU" sz="2800" dirty="0"/>
+                    </a:p>
+                  </a:txBody>
+                  <a:tcPr/>
+                </a:tc>
+                <a:tc>
+                  <a:txBody>
+                    <a:bodyPr/>
+                    <a:lstStyle/>
+                    <a:p>
+                      <a:r>
+                        <a:rPr lang="ru-RU" sz="2800" dirty="0"/>
+                        <a:t>Модульность</a:t>
+                      </a:r>
+                    </a:p>
+                  </a:txBody>
+                  <a:tcPr/>
+                </a:tc>
+                <a:extLst>
+                  <a:ext uri="{0D108BD9-81ED-4DB2-BD59-A6C34878D82A}">
+                    <a16:rowId xmlns:a16="http://schemas.microsoft.com/office/drawing/2014/main" val="4003176383"/>
+                  </a:ext>
+                </a:extLst>
+              </a:tr>
+              <a:tr h="1919780">
+                <a:tc>
+                  <a:txBody>
+                    <a:bodyPr/>
+                    <a:lstStyle/>
+                    <a:p>
+                      <a:r>
+                        <a:rPr lang="ru-RU" sz="2800" dirty="0"/>
+                        <a:t>Удобство внесения изменений (</a:t>
+                      </a:r>
+                      <a:r>
+                        <a:rPr lang="en-US" sz="2800" b="0" i="0" kern="1200" dirty="0">
+                          <a:solidFill>
+                            <a:schemeClr val="dk1"/>
+                          </a:solidFill>
+                          <a:effectLst/>
+                          <a:latin typeface="+mn-lt"/>
+                          <a:ea typeface="+mn-ea"/>
+                          <a:cs typeface="+mn-cs"/>
+                        </a:rPr>
+                        <a:t>changeability</a:t>
+                      </a:r>
+                      <a:r>
+                        <a:rPr lang="ru-RU" sz="2800" b="0" i="0" kern="1200" dirty="0">
+                          <a:solidFill>
+                            <a:schemeClr val="dk1"/>
+                          </a:solidFill>
+                          <a:effectLst/>
+                          <a:latin typeface="+mn-lt"/>
+                          <a:ea typeface="+mn-ea"/>
+                          <a:cs typeface="+mn-cs"/>
+                        </a:rPr>
+                        <a:t>)</a:t>
+                      </a:r>
+                      <a:endParaRPr lang="ru-RU" sz="2800" dirty="0"/>
+                    </a:p>
+                  </a:txBody>
+                  <a:tcPr/>
+                </a:tc>
+                <a:tc>
+                  <a:txBody>
+                    <a:bodyPr/>
+                    <a:lstStyle/>
+                    <a:p>
+                      <a:r>
+                        <a:rPr lang="ru-RU" sz="2800" dirty="0"/>
+                        <a:t>Модульность</a:t>
+                      </a:r>
+                    </a:p>
+                  </a:txBody>
+                  <a:tcPr/>
+                </a:tc>
+                <a:extLst>
+                  <a:ext uri="{0D108BD9-81ED-4DB2-BD59-A6C34878D82A}">
+                    <a16:rowId xmlns:a16="http://schemas.microsoft.com/office/drawing/2014/main" val="4140185516"/>
+                  </a:ext>
+                </a:extLst>
+              </a:tr>
+            </a:tbl>
+          </a:graphicData>
+        </a:graphic>
+      </p:graphicFrame>
+    </p:spTree>
+    <p:extLst>
+      <p:ext uri="{BB962C8B-B14F-4D97-AF65-F5344CB8AC3E}">
+        <p14:creationId xmlns:p14="http://schemas.microsoft.com/office/powerpoint/2010/main" val="535205941"/>
+      </p:ext>
+    </p:extLst>
+  </p:cSld>
+  <p:clrMapOvr>
+    <a:masterClrMapping/>
+  </p:clrMapOvr>
+</p:sld>
+</file>
+
+<file path=ppt/slides/slide13.xml><?xml version="1.0" encoding="utf-8"?>
+<p:sld xmlns:a="http://schemas.openxmlformats.org/drawingml/2006/main" xmlns:r="http://schemas.openxmlformats.org/officeDocument/2006/relationships" xmlns:p="http://schemas.openxmlformats.org/presentationml/2006/main">
+  <p:cSld>
+    <p:spTree>
+      <p:nvGrpSpPr>
+        <p:cNvPr id="1" name=""/>
+        <p:cNvGrpSpPr/>
+        <p:nvPr/>
+      </p:nvGrpSpPr>
+      <p:grpSpPr>
+        <a:xfrm>
+          <a:off x="0" y="0"/>
+          <a:ext cx="0" cy="0"/>
+          <a:chOff x="0" y="0"/>
+          <a:chExt cx="0" cy="0"/>
+        </a:xfrm>
+      </p:grpSpPr>
+      <p:sp>
+        <p:nvSpPr>
+          <p:cNvPr id="4" name="Заголовок 1">
+            <a:extLst>
+              <a:ext uri="{FF2B5EF4-FFF2-40B4-BE49-F238E27FC236}">
+                <a16:creationId xmlns:a16="http://schemas.microsoft.com/office/drawing/2014/main" id="{19A0D66F-D3DB-4ABE-8A09-C41242737FC5}"/>
+              </a:ext>
+            </a:extLst>
+          </p:cNvPr>
+          <p:cNvSpPr>
+            <a:spLocks noGrp="1"/>
+          </p:cNvSpPr>
+          <p:nvPr>
+            <p:ph type="title"/>
+          </p:nvPr>
+        </p:nvSpPr>
+        <p:spPr>
+          <a:xfrm>
             <a:off x="716280" y="2499359"/>
             <a:ext cx="10515600" cy="929641"/>
           </a:xfrm>
@@ -4716,7 +5059,7 @@
           <a:p>
             <a:fld id="{D91281A2-F083-4674-AF70-9405F9A6FA09}" type="slidenum">
               <a:rPr lang="ru-RU" smtClean="0"/>
-              <a:t>12</a:t>
+              <a:t>13</a:t>
             </a:fld>
             <a:endParaRPr lang="ru-RU"/>
           </a:p>
@@ -4827,21 +5170,19 @@
               </a:ext>
             </a:extLst>
           </a:blip>
-          <a:srcRect r="49996"/>
+          <a:srcRect r="49996" b="73590"/>
           <a:stretch/>
         </p:blipFill>
         <p:spPr>
           <a:xfrm>
-            <a:off x="6787825" y="873317"/>
-            <a:ext cx="5113016" cy="5802120"/>
+            <a:off x="7082938" y="595762"/>
+            <a:ext cx="4692502" cy="1406323"/>
           </a:xfrm>
           <a:prstGeom prst="rect">
             <a:avLst/>
           </a:prstGeom>
           <a:ln>
-            <a:solidFill>
-              <a:schemeClr val="tx1"/>
-            </a:solidFill>
+            <a:noFill/>
           </a:ln>
         </p:spPr>
       </p:pic>
@@ -4922,7 +5263,7 @@
         </p:blipFill>
         <p:spPr>
           <a:xfrm>
-            <a:off x="302261" y="2128111"/>
+            <a:off x="2537921" y="4365097"/>
             <a:ext cx="4336738" cy="2294407"/>
           </a:xfrm>
           <a:prstGeom prst="rect">
@@ -4978,8 +5319,8 @@
         </p:blipFill>
         <p:spPr>
           <a:xfrm>
-            <a:off x="1887700" y="4181674"/>
-            <a:ext cx="4598800" cy="2493763"/>
+            <a:off x="7082939" y="4441981"/>
+            <a:ext cx="4692502" cy="2140641"/>
           </a:xfrm>
           <a:prstGeom prst="rect">
             <a:avLst/>
@@ -5006,7 +5347,7 @@
         <p:spPr>
           <a:xfrm>
             <a:off x="291159" y="595762"/>
-            <a:ext cx="7003721" cy="1384995"/>
+            <a:ext cx="7003721" cy="2677656"/>
           </a:xfrm>
           <a:prstGeom prst="rect">
             <a:avLst/>
@@ -5022,11 +5363,14 @@
             <a:r>
               <a:rPr lang="ru-RU" sz="2800" dirty="0">
                 <a:effectLst/>
+                <a:highlight>
+                  <a:srgbClr val="FFFF00"/>
+                </a:highlight>
                 <a:latin typeface="Times New Roman" panose="02020603050405020304" pitchFamily="18" charset="0"/>
                 <a:ea typeface="Times New Roman" panose="02020603050405020304" pitchFamily="18" charset="0"/>
                 <a:cs typeface="Times New Roman" panose="02020603050405020304" pitchFamily="18" charset="0"/>
               </a:rPr>
-              <a:t>Основные улучшения:</a:t>
+              <a:t>Основные предлагаемые улучшения:</a:t>
             </a:r>
           </a:p>
           <a:p>
@@ -5036,6 +5380,9 @@
             </a:pPr>
             <a:r>
               <a:rPr lang="ru-RU" sz="2800" dirty="0">
+                <a:highlight>
+                  <a:srgbClr val="FFFF00"/>
+                </a:highlight>
                 <a:latin typeface="Times New Roman" panose="02020603050405020304" pitchFamily="18" charset="0"/>
                 <a:cs typeface="Times New Roman" panose="02020603050405020304" pitchFamily="18" charset="0"/>
               </a:rPr>
@@ -5049,14 +5396,93 @@
             </a:pPr>
             <a:r>
               <a:rPr lang="ru-RU" sz="2800" dirty="0">
+                <a:highlight>
+                  <a:srgbClr val="FFFF00"/>
+                </a:highlight>
                 <a:latin typeface="Times New Roman" panose="02020603050405020304" pitchFamily="18" charset="0"/>
                 <a:cs typeface="Times New Roman" panose="02020603050405020304" pitchFamily="18" charset="0"/>
               </a:rPr>
               <a:t>Типы чатов</a:t>
             </a:r>
           </a:p>
-        </p:txBody>
-      </p:sp>
+          <a:p>
+            <a:pPr marL="285750" indent="-285750">
+              <a:buFontTx/>
+              <a:buChar char="-"/>
+            </a:pPr>
+            <a:r>
+              <a:rPr lang="ru-RU" sz="2800" dirty="0">
+                <a:highlight>
+                  <a:srgbClr val="FFFF00"/>
+                </a:highlight>
+                <a:latin typeface="Times New Roman" panose="02020603050405020304" pitchFamily="18" charset="0"/>
+                <a:cs typeface="Times New Roman" panose="02020603050405020304" pitchFamily="18" charset="0"/>
+              </a:rPr>
+              <a:t>Сокращение трудозатрат и времени на процессы тестирования </a:t>
+            </a:r>
+            <a:r>
+              <a:rPr lang="ru-RU" sz="2800" dirty="0">
+                <a:latin typeface="Times New Roman" panose="02020603050405020304" pitchFamily="18" charset="0"/>
+                <a:cs typeface="Times New Roman" panose="02020603050405020304" pitchFamily="18" charset="0"/>
+              </a:rPr>
+              <a:t>и внесения изменений серверной подсистемы</a:t>
+            </a:r>
+          </a:p>
+        </p:txBody>
+      </p:sp>
+      <p:pic>
+        <p:nvPicPr>
+          <p:cNvPr id="11" name="Рисунок 10">
+            <a:extLst>
+              <a:ext uri="{FF2B5EF4-FFF2-40B4-BE49-F238E27FC236}">
+                <a16:creationId xmlns:a16="http://schemas.microsoft.com/office/drawing/2014/main" id="{E73909CF-47BE-4C56-BF59-E8AEC9E75169}"/>
+              </a:ext>
+            </a:extLst>
+          </p:cNvPr>
+          <p:cNvPicPr>
+            <a:picLocks noChangeAspect="1"/>
+          </p:cNvPicPr>
+          <p:nvPr/>
+        </p:nvPicPr>
+        <p:blipFill rotWithShape="1">
+          <a:blip r:embed="rId2">
+            <a:extLst>
+              <a:ext uri="{BEBA8EAE-BF5A-486C-A8C5-ECC9F3942E4B}">
+                <a14:imgProps xmlns:a14="http://schemas.microsoft.com/office/drawing/2010/main">
+                  <a14:imgLayer r:embed="rId3">
+                    <a14:imgEffect>
+                      <a14:sharpenSoften amount="50000"/>
+                    </a14:imgEffect>
+                    <a14:imgEffect>
+                      <a14:colorTemperature colorTemp="11200"/>
+                    </a14:imgEffect>
+                    <a14:imgEffect>
+                      <a14:saturation sat="400000"/>
+                    </a14:imgEffect>
+                    <a14:imgEffect>
+                      <a14:brightnessContrast contrast="40000"/>
+                    </a14:imgEffect>
+                  </a14:imgLayer>
+                </a14:imgProps>
+              </a:ext>
+            </a:extLst>
+          </a:blip>
+          <a:srcRect t="54730" r="49996"/>
+          <a:stretch/>
+        </p:blipFill>
+        <p:spPr>
+          <a:xfrm>
+            <a:off x="7082938" y="2011952"/>
+            <a:ext cx="4692502" cy="2410566"/>
+          </a:xfrm>
+          <a:prstGeom prst="rect">
+            <a:avLst/>
+          </a:prstGeom>
+          <a:ln>
+            <a:noFill/>
+          </a:ln>
+        </p:spPr>
+      </p:pic>
     </p:spTree>
     <p:extLst>
       <p:ext uri="{BB962C8B-B14F-4D97-AF65-F5344CB8AC3E}">
@@ -5157,10 +5583,34 @@
             <a:r>
               <a:rPr lang="ru-RU" sz="3200" dirty="0">
                 <a:effectLst/>
+                <a:highlight>
+                  <a:srgbClr val="FFFF00"/>
+                </a:highlight>
                 <a:latin typeface="Times New Roman" panose="02020603050405020304" pitchFamily="18" charset="0"/>
                 <a:ea typeface="Times New Roman" panose="02020603050405020304" pitchFamily="18" charset="0"/>
               </a:rPr>
-              <a:t>Целью выпускной квалификационной работы является сокращение времени, затрачиваемого пользователями на выполнение основных операций при использовании сервиса обмена сообщениями ЕОИС ОГУ им. И.С. Тургенева.</a:t>
+              <a:t>Целью выпускной квалификационной работы является сокращение времени</a:t>
+            </a:r>
+            <a:r>
+              <a:rPr lang="ru-RU" sz="3200" dirty="0">
+                <a:highlight>
+                  <a:srgbClr val="FFFF00"/>
+                </a:highlight>
+                <a:latin typeface="Times New Roman" panose="02020603050405020304" pitchFamily="18" charset="0"/>
+                <a:ea typeface="Times New Roman" panose="02020603050405020304" pitchFamily="18" charset="0"/>
+              </a:rPr>
+              <a:t> и трудозатрат на тестирование и внесение изменений серверной подсистемы </a:t>
+            </a:r>
+            <a:r>
+              <a:rPr lang="ru-RU" sz="3200" dirty="0">
+                <a:effectLst/>
+                <a:highlight>
+                  <a:srgbClr val="FFFF00"/>
+                </a:highlight>
+                <a:latin typeface="Times New Roman" panose="02020603050405020304" pitchFamily="18" charset="0"/>
+                <a:ea typeface="Times New Roman" panose="02020603050405020304" pitchFamily="18" charset="0"/>
+              </a:rPr>
+              <a:t>при использовании сервиса обмена сообщениями ЕОИС ОГУ им. И.С. Тургенева.</a:t>
             </a:r>
           </a:p>
           <a:p>
@@ -5184,7 +5634,7 @@
                 <a:latin typeface="Times New Roman" panose="02020603050405020304" pitchFamily="18" charset="0"/>
                 <a:cs typeface="Times New Roman" panose="02020603050405020304" pitchFamily="18" charset="0"/>
               </a:rPr>
-              <a:t> произвести анализ предметной области и аналогов</a:t>
+              <a:t> провести анализ предметной области и аналогов</a:t>
             </a:r>
             <a:r>
               <a:rPr lang="en-US" sz="3200" dirty="0">
